--- a/docs/ЛЭТИ ВвПП 2020.1.pptx
+++ b/docs/ЛЭТИ ВвПП 2020.1.pptx
@@ -18,7 +18,6 @@
     <p:sldId id="266" r:id="rId13"/>
     <p:sldId id="267" r:id="rId14"/>
     <p:sldId id="268" r:id="rId15"/>
-    <p:sldId id="269" r:id="rId16"/>
   </p:sldIdLst>
   <p:sldSz cx="11998325" cy="7559675"/>
   <p:notesSz cx="7559675" cy="10691812"/>
@@ -84,7 +83,9 @@
           </a:prstGeom>
         </p:spPr>
         <p:txBody>
-          <a:bodyPr lIns="0" rIns="0" tIns="0" bIns="0" anchor="ctr"/>
+          <a:bodyPr lIns="0" rIns="0" tIns="0" bIns="0" anchor="ctr">
+            <a:noAutofit/>
+          </a:bodyPr>
           <a:p>
             <a:pPr algn="ctr"/>
             <a:endParaRPr b="0" lang="ru-RU" sz="4400" spc="-1" strike="noStrike">
@@ -195,7 +196,9 @@
           </a:prstGeom>
         </p:spPr>
         <p:txBody>
-          <a:bodyPr lIns="0" rIns="0" tIns="0" bIns="0" anchor="ctr"/>
+          <a:bodyPr lIns="0" rIns="0" tIns="0" bIns="0" anchor="ctr">
+            <a:noAutofit/>
+          </a:bodyPr>
           <a:p>
             <a:pPr algn="ctr"/>
             <a:endParaRPr b="0" lang="ru-RU" sz="4400" spc="-1" strike="noStrike">
@@ -366,7 +369,9 @@
           </a:prstGeom>
         </p:spPr>
         <p:txBody>
-          <a:bodyPr lIns="0" rIns="0" tIns="0" bIns="0" anchor="ctr"/>
+          <a:bodyPr lIns="0" rIns="0" tIns="0" bIns="0" anchor="ctr">
+            <a:noAutofit/>
+          </a:bodyPr>
           <a:p>
             <a:pPr algn="ctr"/>
             <a:endParaRPr b="0" lang="ru-RU" sz="4400" spc="-1" strike="noStrike">
@@ -597,7 +602,9 @@
           </a:prstGeom>
         </p:spPr>
         <p:txBody>
-          <a:bodyPr lIns="0" rIns="0" tIns="0" bIns="0" anchor="ctr"/>
+          <a:bodyPr lIns="0" rIns="0" tIns="0" bIns="0" anchor="ctr">
+            <a:noAutofit/>
+          </a:bodyPr>
           <a:p>
             <a:pPr algn="ctr"/>
             <a:endParaRPr b="0" lang="ru-RU" sz="4400" spc="-1" strike="noStrike">
@@ -626,7 +633,9 @@
           </a:prstGeom>
         </p:spPr>
         <p:txBody>
-          <a:bodyPr lIns="0" rIns="0" tIns="0" bIns="0" anchor="ctr"/>
+          <a:bodyPr lIns="0" rIns="0" tIns="0" bIns="0" anchor="ctr">
+            <a:noAutofit/>
+          </a:bodyPr>
           <a:p>
             <a:pPr algn="ctr"/>
             <a:endParaRPr b="0" lang="ru-RU" sz="3200" spc="-1" strike="noStrike">
@@ -677,7 +686,9 @@
           </a:prstGeom>
         </p:spPr>
         <p:txBody>
-          <a:bodyPr lIns="0" rIns="0" tIns="0" bIns="0" anchor="ctr"/>
+          <a:bodyPr lIns="0" rIns="0" tIns="0" bIns="0" anchor="ctr">
+            <a:noAutofit/>
+          </a:bodyPr>
           <a:p>
             <a:pPr algn="ctr"/>
             <a:endParaRPr b="0" lang="ru-RU" sz="4400" spc="-1" strike="noStrike">
@@ -758,7 +769,9 @@
           </a:prstGeom>
         </p:spPr>
         <p:txBody>
-          <a:bodyPr lIns="0" rIns="0" tIns="0" bIns="0" anchor="ctr"/>
+          <a:bodyPr lIns="0" rIns="0" tIns="0" bIns="0" anchor="ctr">
+            <a:noAutofit/>
+          </a:bodyPr>
           <a:p>
             <a:pPr algn="ctr"/>
             <a:endParaRPr b="0" lang="ru-RU" sz="4400" spc="-1" strike="noStrike">
@@ -869,7 +882,9 @@
           </a:prstGeom>
         </p:spPr>
         <p:txBody>
-          <a:bodyPr lIns="0" rIns="0" tIns="0" bIns="0" anchor="ctr"/>
+          <a:bodyPr lIns="0" rIns="0" tIns="0" bIns="0" anchor="ctr">
+            <a:noAutofit/>
+          </a:bodyPr>
           <a:p>
             <a:pPr algn="ctr"/>
             <a:endParaRPr b="0" lang="ru-RU" sz="4400" spc="-1" strike="noStrike">
@@ -920,7 +935,9 @@
           </a:prstGeom>
         </p:spPr>
         <p:txBody>
-          <a:bodyPr lIns="0" rIns="0" tIns="0" bIns="0" anchor="ctr"/>
+          <a:bodyPr lIns="0" rIns="0" tIns="0" bIns="0" anchor="ctr">
+            <a:noAutofit/>
+          </a:bodyPr>
           <a:p>
             <a:pPr algn="ctr"/>
             <a:endParaRPr b="0" lang="ru-RU" sz="3200" spc="-1" strike="noStrike">
@@ -971,7 +988,9 @@
           </a:prstGeom>
         </p:spPr>
         <p:txBody>
-          <a:bodyPr lIns="0" rIns="0" tIns="0" bIns="0" anchor="ctr"/>
+          <a:bodyPr lIns="0" rIns="0" tIns="0" bIns="0" anchor="ctr">
+            <a:noAutofit/>
+          </a:bodyPr>
           <a:p>
             <a:pPr algn="ctr"/>
             <a:endParaRPr b="0" lang="ru-RU" sz="4400" spc="-1" strike="noStrike">
@@ -1112,7 +1131,9 @@
           </a:prstGeom>
         </p:spPr>
         <p:txBody>
-          <a:bodyPr lIns="0" rIns="0" tIns="0" bIns="0" anchor="ctr"/>
+          <a:bodyPr lIns="0" rIns="0" tIns="0" bIns="0" anchor="ctr">
+            <a:noAutofit/>
+          </a:bodyPr>
           <a:p>
             <a:pPr algn="ctr"/>
             <a:endParaRPr b="0" lang="ru-RU" sz="4400" spc="-1" strike="noStrike">
@@ -1253,7 +1274,9 @@
           </a:prstGeom>
         </p:spPr>
         <p:txBody>
-          <a:bodyPr lIns="0" rIns="0" tIns="0" bIns="0" anchor="ctr"/>
+          <a:bodyPr lIns="0" rIns="0" tIns="0" bIns="0" anchor="ctr">
+            <a:noAutofit/>
+          </a:bodyPr>
           <a:p>
             <a:pPr algn="ctr"/>
             <a:endParaRPr b="0" lang="ru-RU" sz="4400" spc="-1" strike="noStrike">
@@ -1404,14 +1427,16 @@
           </a:prstGeom>
         </p:spPr>
         <p:txBody>
-          <a:bodyPr lIns="0" rIns="0" tIns="0" bIns="0" anchor="ctr"/>
+          <a:bodyPr lIns="0" rIns="0" tIns="0" bIns="0" anchor="ctr">
+            <a:noAutofit/>
+          </a:bodyPr>
           <a:p>
             <a:pPr algn="ctr"/>
             <a:r>
               <a:rPr b="0" lang="ru-RU" sz="4400" spc="-1" strike="noStrike">
                 <a:latin typeface="Arial"/>
               </a:rPr>
-              <a:t>Для правки текста заглавия щёлкните мышью</a:t>
+              <a:t>Click to edit the title text format</a:t>
             </a:r>
             <a:endParaRPr b="0" lang="ru-RU" sz="4400" spc="-1" strike="noStrike">
               <a:latin typeface="Arial"/>
@@ -1458,7 +1483,7 @@
               <a:rPr b="0" lang="ru-RU" sz="3200" spc="-1" strike="noStrike">
                 <a:latin typeface="Arial"/>
               </a:rPr>
-              <a:t>Для правки структуры щёлкните мышью</a:t>
+              <a:t>Click to edit the outline text format</a:t>
             </a:r>
             <a:endParaRPr b="0" lang="ru-RU" sz="3200" spc="-1" strike="noStrike">
               <a:latin typeface="Arial"/>
@@ -1480,7 +1505,7 @@
               <a:rPr b="0" lang="ru-RU" sz="2800" spc="-1" strike="noStrike">
                 <a:latin typeface="Arial"/>
               </a:rPr>
-              <a:t>Второй уровень структуры</a:t>
+              <a:t>Second Outline Level</a:t>
             </a:r>
             <a:endParaRPr b="0" lang="ru-RU" sz="2800" spc="-1" strike="noStrike">
               <a:latin typeface="Arial"/>
@@ -1502,7 +1527,7 @@
               <a:rPr b="0" lang="ru-RU" sz="2400" spc="-1" strike="noStrike">
                 <a:latin typeface="Arial"/>
               </a:rPr>
-              <a:t>Третий уровень структуры</a:t>
+              <a:t>Third Outline Level</a:t>
             </a:r>
             <a:endParaRPr b="0" lang="ru-RU" sz="2400" spc="-1" strike="noStrike">
               <a:latin typeface="Arial"/>
@@ -1524,7 +1549,7 @@
               <a:rPr b="0" lang="ru-RU" sz="2000" spc="-1" strike="noStrike">
                 <a:latin typeface="Arial"/>
               </a:rPr>
-              <a:t>Четвёртый уровень структуры</a:t>
+              <a:t>Fourth Outline Level</a:t>
             </a:r>
             <a:endParaRPr b="0" lang="ru-RU" sz="2000" spc="-1" strike="noStrike">
               <a:latin typeface="Arial"/>
@@ -1546,7 +1571,7 @@
               <a:rPr b="0" lang="ru-RU" sz="2000" spc="-1" strike="noStrike">
                 <a:latin typeface="Arial"/>
               </a:rPr>
-              <a:t>Пятый уровень структуры</a:t>
+              <a:t>Fifth Outline Level</a:t>
             </a:r>
             <a:endParaRPr b="0" lang="ru-RU" sz="2000" spc="-1" strike="noStrike">
               <a:latin typeface="Arial"/>
@@ -1568,7 +1593,7 @@
               <a:rPr b="0" lang="ru-RU" sz="2000" spc="-1" strike="noStrike">
                 <a:latin typeface="Arial"/>
               </a:rPr>
-              <a:t>Шестой уровень структуры</a:t>
+              <a:t>Sixth Outline Level</a:t>
             </a:r>
             <a:endParaRPr b="0" lang="ru-RU" sz="2000" spc="-1" strike="noStrike">
               <a:latin typeface="Arial"/>
@@ -1590,7 +1615,7 @@
               <a:rPr b="0" lang="ru-RU" sz="2000" spc="-1" strike="noStrike">
                 <a:latin typeface="Arial"/>
               </a:rPr>
-              <a:t>Седьмой уровень структуры</a:t>
+              <a:t>Seventh Outline Level</a:t>
             </a:r>
             <a:endParaRPr b="0" lang="ru-RU" sz="2000" spc="-1" strike="noStrike">
               <a:latin typeface="Arial"/>
@@ -1644,7 +1669,7 @@
         <p:spPr>
           <a:xfrm>
             <a:off x="548640" y="301320"/>
-            <a:ext cx="10797120" cy="4452120"/>
+            <a:ext cx="10796760" cy="4451760"/>
           </a:xfrm>
           <a:prstGeom prst="rect">
             <a:avLst/>
@@ -1665,6 +1690,11 @@
             <a:normAutofit/>
           </a:bodyPr>
           <a:p>
+            <a:pPr>
+              <a:lnSpc>
+                <a:spcPct val="100000"/>
+              </a:lnSpc>
+            </a:pPr>
             <a:r>
               <a:rPr b="0" lang="ru-RU" sz="8000" spc="-1" strike="noStrike">
                 <a:solidFill>
@@ -1690,7 +1720,7 @@
         <p:spPr>
           <a:xfrm>
             <a:off x="552960" y="5216400"/>
-            <a:ext cx="10788480" cy="1548720"/>
+            <a:ext cx="10788120" cy="1548360"/>
           </a:xfrm>
           <a:prstGeom prst="rect">
             <a:avLst/>
@@ -1707,8 +1737,15 @@
           <a:fontRef idx="minor"/>
         </p:style>
         <p:txBody>
-          <a:bodyPr lIns="0" rIns="0" tIns="0" bIns="0"/>
-          <a:p>
+          <a:bodyPr lIns="0" rIns="0" tIns="0" bIns="0">
+            <a:noAutofit/>
+          </a:bodyPr>
+          <a:p>
+            <a:pPr>
+              <a:lnSpc>
+                <a:spcPct val="100000"/>
+              </a:lnSpc>
+            </a:pPr>
             <a:r>
               <a:rPr b="1" lang="ru-RU" sz="3600" spc="-1" strike="noStrike">
                 <a:solidFill>
@@ -1724,6 +1761,11 @@
             </a:endParaRPr>
           </a:p>
           <a:p>
+            <a:pPr>
+              <a:lnSpc>
+                <a:spcPct val="100000"/>
+              </a:lnSpc>
+            </a:pPr>
             <a:r>
               <a:rPr b="1" lang="ru-RU" sz="3600" spc="-1" strike="noStrike">
                 <a:solidFill>
@@ -1732,7 +1774,7 @@
                 <a:latin typeface="Source Sans Pro"/>
                 <a:ea typeface="DejaVu Sans"/>
               </a:rPr>
-              <a:t>Пешехонов К. А., 18.02.2019</a:t>
+              <a:t>Пешехонов К. А., 11.02.2020</a:t>
             </a:r>
             <a:endParaRPr b="0" lang="ru-RU" sz="3600" spc="-1" strike="noStrike">
               <a:latin typeface="Arial"/>
@@ -1742,33 +1784,14 @@
       </p:sp>
     </p:spTree>
   </p:cSld>
-  <p:timing>
-    <p:tnLst>
-      <p:par>
-        <p:cTn id="1" dur="indefinite" restart="never" nodeType="tmRoot">
-          <p:childTnLst>
-            <p:seq>
-              <p:cTn id="2" dur="indefinite" nodeType="mainSeq"/>
-              <p:prevCondLst>
-                <p:cond delay="0" evt="onPrev">
-                  <p:tgtEl>
-                    <p:sldTgt/>
-                  </p:tgtEl>
-                </p:cond>
-              </p:prevCondLst>
-              <p:nextCondLst>
-                <p:cond delay="0" evt="onNext">
-                  <p:tgtEl>
-                    <p:sldTgt/>
-                  </p:tgtEl>
-                </p:cond>
-              </p:nextCondLst>
-            </p:seq>
-          </p:childTnLst>
-        </p:cTn>
-      </p:par>
-    </p:tnLst>
-  </p:timing>
+  <mc:AlternateContent>
+    <mc:Choice Requires="p14">
+      <p:transition spd="slow" p14:dur="2000"/>
+    </mc:Choice>
+    <mc:Fallback>
+      <p:transition spd="slow"/>
+    </mc:Fallback>
+  </mc:AlternateContent>
 </p:sld>
 </file>
 
@@ -1798,7 +1821,7 @@
         <p:spPr>
           <a:xfrm>
             <a:off x="578160" y="34560"/>
-            <a:ext cx="10797120" cy="1260720"/>
+            <a:ext cx="10796760" cy="1260360"/>
           </a:xfrm>
           <a:prstGeom prst="rect">
             <a:avLst/>
@@ -1815,7 +1838,9 @@
           <a:fontRef idx="minor"/>
         </p:style>
         <p:txBody>
-          <a:bodyPr lIns="0" rIns="0" tIns="0" bIns="0" anchor="ctr"/>
+          <a:bodyPr lIns="0" rIns="0" tIns="0" bIns="0" anchor="ctr">
+            <a:noAutofit/>
+          </a:bodyPr>
           <a:p>
             <a:pPr algn="ctr">
               <a:lnSpc>
@@ -1847,7 +1872,7 @@
         <p:spPr>
           <a:xfrm>
             <a:off x="1944000" y="1152000"/>
-            <a:ext cx="6800400" cy="3774600"/>
+            <a:ext cx="6800040" cy="3774240"/>
           </a:xfrm>
           <a:prstGeom prst="rect">
             <a:avLst/>
@@ -1864,9 +1889,11 @@
           <a:fontRef idx="minor"/>
         </p:style>
         <p:txBody>
-          <a:bodyPr lIns="90000" rIns="90000" tIns="45000" bIns="45000"/>
-          <a:p>
-            <a:pPr marL="216000" indent="-215280">
+          <a:bodyPr lIns="90000" rIns="90000" tIns="45000" bIns="45000">
+            <a:noAutofit/>
+          </a:bodyPr>
+          <a:p>
+            <a:pPr marL="216000" indent="-214920">
               <a:lnSpc>
                 <a:spcPct val="100000"/>
               </a:lnSpc>
@@ -1897,7 +1924,7 @@
             </a:endParaRPr>
           </a:p>
           <a:p>
-            <a:pPr marL="216000" indent="-215280">
+            <a:pPr marL="216000" indent="-214920">
               <a:lnSpc>
                 <a:spcPct val="100000"/>
               </a:lnSpc>
@@ -1928,7 +1955,7 @@
             </a:endParaRPr>
           </a:p>
           <a:p>
-            <a:pPr marL="216000" indent="-215280">
+            <a:pPr marL="216000" indent="-214920">
               <a:lnSpc>
                 <a:spcPct val="100000"/>
               </a:lnSpc>
@@ -1959,7 +1986,7 @@
             </a:endParaRPr>
           </a:p>
           <a:p>
-            <a:pPr marL="216000" indent="-215280">
+            <a:pPr marL="216000" indent="-214920">
               <a:lnSpc>
                 <a:spcPct val="100000"/>
               </a:lnSpc>
@@ -1990,7 +2017,7 @@
             </a:endParaRPr>
           </a:p>
           <a:p>
-            <a:pPr marL="216000" indent="-215280">
+            <a:pPr marL="216000" indent="-214920">
               <a:lnSpc>
                 <a:spcPct val="100000"/>
               </a:lnSpc>
@@ -2021,7 +2048,7 @@
             </a:endParaRPr>
           </a:p>
           <a:p>
-            <a:pPr marL="216000" indent="-215280">
+            <a:pPr marL="216000" indent="-214920">
               <a:lnSpc>
                 <a:spcPct val="100000"/>
               </a:lnSpc>
@@ -2068,7 +2095,7 @@
             </a:endParaRPr>
           </a:p>
           <a:p>
-            <a:pPr marL="216000" indent="-215280">
+            <a:pPr marL="216000" indent="-214920">
               <a:lnSpc>
                 <a:spcPct val="100000"/>
               </a:lnSpc>
@@ -2099,7 +2126,7 @@
             </a:endParaRPr>
           </a:p>
           <a:p>
-            <a:pPr marL="216000" indent="-215280">
+            <a:pPr marL="216000" indent="-214920">
               <a:lnSpc>
                 <a:spcPct val="100000"/>
               </a:lnSpc>
@@ -2130,7 +2157,7 @@
             </a:endParaRPr>
           </a:p>
           <a:p>
-            <a:pPr marL="216000" indent="-215280">
+            <a:pPr marL="216000" indent="-214920">
               <a:lnSpc>
                 <a:spcPct val="100000"/>
               </a:lnSpc>
@@ -2171,7 +2198,7 @@
         <p:spPr>
           <a:xfrm>
             <a:off x="360000" y="5400000"/>
-            <a:ext cx="10797120" cy="1260720"/>
+            <a:ext cx="10796760" cy="1260360"/>
           </a:xfrm>
           <a:prstGeom prst="rect">
             <a:avLst/>
@@ -2188,8 +2215,15 @@
           <a:fontRef idx="minor"/>
         </p:style>
         <p:txBody>
-          <a:bodyPr lIns="0" rIns="0" tIns="0" bIns="0" anchor="ctr"/>
-          <a:p>
+          <a:bodyPr lIns="0" rIns="0" tIns="0" bIns="0" anchor="ctr">
+            <a:noAutofit/>
+          </a:bodyPr>
+          <a:p>
+            <a:pPr>
+              <a:lnSpc>
+                <a:spcPct val="100000"/>
+              </a:lnSpc>
+            </a:pPr>
             <a:r>
               <a:rPr b="0" lang="ru-RU" sz="2800" spc="-1" strike="noStrike">
                 <a:solidFill>
@@ -2208,33 +2242,14 @@
       </p:sp>
     </p:spTree>
   </p:cSld>
-  <p:timing>
-    <p:tnLst>
-      <p:par>
-        <p:cTn id="19" dur="indefinite" restart="never" nodeType="tmRoot">
-          <p:childTnLst>
-            <p:seq>
-              <p:cTn id="20" dur="indefinite" nodeType="mainSeq"/>
-              <p:prevCondLst>
-                <p:cond delay="0" evt="onPrev">
-                  <p:tgtEl>
-                    <p:sldTgt/>
-                  </p:tgtEl>
-                </p:cond>
-              </p:prevCondLst>
-              <p:nextCondLst>
-                <p:cond delay="0" evt="onNext">
-                  <p:tgtEl>
-                    <p:sldTgt/>
-                  </p:tgtEl>
-                </p:cond>
-              </p:nextCondLst>
-            </p:seq>
-          </p:childTnLst>
-        </p:cTn>
-      </p:par>
-    </p:tnLst>
-  </p:timing>
+  <mc:AlternateContent>
+    <mc:Choice Requires="p14">
+      <p:transition spd="slow" p14:dur="2000"/>
+    </mc:Choice>
+    <mc:Fallback>
+      <p:transition spd="slow"/>
+    </mc:Fallback>
+  </mc:AlternateContent>
 </p:sld>
 </file>
 
@@ -2264,7 +2279,7 @@
         <p:spPr>
           <a:xfrm>
             <a:off x="578160" y="34560"/>
-            <a:ext cx="10797120" cy="1260720"/>
+            <a:ext cx="10796760" cy="1260360"/>
           </a:xfrm>
           <a:prstGeom prst="rect">
             <a:avLst/>
@@ -2281,7 +2296,9 @@
           <a:fontRef idx="minor"/>
         </p:style>
         <p:txBody>
-          <a:bodyPr lIns="0" rIns="0" tIns="0" bIns="0" anchor="ctr"/>
+          <a:bodyPr lIns="0" rIns="0" tIns="0" bIns="0" anchor="ctr">
+            <a:noAutofit/>
+          </a:bodyPr>
           <a:p>
             <a:pPr algn="ctr">
               <a:lnSpc>
@@ -2313,7 +2330,7 @@
         <p:spPr>
           <a:xfrm>
             <a:off x="578160" y="921600"/>
-            <a:ext cx="6800400" cy="3774600"/>
+            <a:ext cx="6800040" cy="3774240"/>
           </a:xfrm>
           <a:prstGeom prst="rect">
             <a:avLst/>
@@ -2339,7 +2356,7 @@
         <p:spPr>
           <a:xfrm>
             <a:off x="360000" y="5400000"/>
-            <a:ext cx="10797120" cy="1260720"/>
+            <a:ext cx="10796760" cy="1260360"/>
           </a:xfrm>
           <a:prstGeom prst="rect">
             <a:avLst/>
@@ -2356,8 +2373,15 @@
           <a:fontRef idx="minor"/>
         </p:style>
         <p:txBody>
-          <a:bodyPr lIns="0" rIns="0" tIns="0" bIns="0" anchor="ctr"/>
-          <a:p>
+          <a:bodyPr lIns="0" rIns="0" tIns="0" bIns="0" anchor="ctr">
+            <a:noAutofit/>
+          </a:bodyPr>
+          <a:p>
+            <a:pPr>
+              <a:lnSpc>
+                <a:spcPct val="100000"/>
+              </a:lnSpc>
+            </a:pPr>
             <a:r>
               <a:rPr b="0" lang="ru-RU" sz="2800" spc="-1" strike="noStrike">
                 <a:solidFill>
@@ -2383,7 +2407,7 @@
         <p:spPr>
           <a:xfrm>
             <a:off x="1924200" y="921600"/>
-            <a:ext cx="8083800" cy="3614400"/>
+            <a:ext cx="8083440" cy="3614040"/>
           </a:xfrm>
           <a:prstGeom prst="rect">
             <a:avLst/>
@@ -2400,7 +2424,9 @@
           <a:fontRef idx="minor"/>
         </p:style>
         <p:txBody>
-          <a:bodyPr lIns="90000" rIns="90000" tIns="45000" bIns="45000"/>
+          <a:bodyPr lIns="90000" rIns="90000" tIns="45000" bIns="45000">
+            <a:noAutofit/>
+          </a:bodyPr>
           <a:p>
             <a:pPr>
               <a:lnSpc>
@@ -2409,27 +2435,73 @@
             </a:pPr>
             <a:r>
               <a:rPr b="0" lang="ru-RU" sz="1800" spc="-1" strike="noStrike">
+                <a:solidFill>
+                  <a:srgbClr val="000000"/>
+                </a:solidFill>
                 <a:latin typeface="Arial"/>
-              </a:rPr>
-              <a:t>7.02</a:t>
+                <a:ea typeface="DejaVu Sans"/>
+              </a:rPr>
+              <a:t>11.02</a:t>
             </a:r>
             <a:r>
               <a:rPr b="0" lang="ru-RU" sz="1800" spc="-1" strike="noStrike">
+                <a:solidFill>
+                  <a:srgbClr val="000000"/>
+                </a:solidFill>
                 <a:latin typeface="Arial"/>
+                <a:ea typeface="DejaVu Sans"/>
               </a:rPr>
               <a:t>	</a:t>
             </a:r>
             <a:r>
               <a:rPr b="0" lang="ru-RU" sz="1800" spc="-1" strike="noStrike">
+                <a:solidFill>
+                  <a:srgbClr val="000000"/>
+                </a:solidFill>
                 <a:latin typeface="Arial"/>
+                <a:ea typeface="DejaVu Sans"/>
+              </a:rPr>
+              <a:t>Тестовое задание на базовый уровень (3 простых задачи)</a:t>
+            </a:r>
+            <a:endParaRPr b="0" lang="ru-RU" sz="1800" spc="-1" strike="noStrike">
+              <a:latin typeface="Arial"/>
+            </a:endParaRPr>
+          </a:p>
+          <a:p>
+            <a:pPr>
+              <a:lnSpc>
+                <a:spcPct val="150000"/>
+              </a:lnSpc>
+            </a:pPr>
+            <a:r>
+              <a:rPr b="0" lang="ru-RU" sz="1800" spc="-1" strike="noStrike">
+                <a:solidFill>
+                  <a:srgbClr val="000000"/>
+                </a:solidFill>
+                <a:latin typeface="Arial"/>
+                <a:ea typeface="DejaVu Sans"/>
+              </a:rPr>
+              <a:t>18.02</a:t>
+            </a:r>
+            <a:r>
+              <a:rPr b="0" lang="ru-RU" sz="1800" spc="-1" strike="noStrike">
+                <a:solidFill>
+                  <a:srgbClr val="000000"/>
+                </a:solidFill>
+                <a:latin typeface="Arial"/>
+                <a:ea typeface="DejaVu Sans"/>
               </a:rPr>
               <a:t>	</a:t>
             </a:r>
             <a:r>
               <a:rPr b="0" lang="ru-RU" sz="1800" spc="-1" strike="noStrike">
+                <a:solidFill>
+                  <a:srgbClr val="000000"/>
+                </a:solidFill>
                 <a:latin typeface="Arial"/>
-              </a:rPr>
-              <a:t>Тестовое задание на базовый уровень (3 простых задачи) </a:t>
+                <a:ea typeface="DejaVu Sans"/>
+              </a:rPr>
+              <a:t>Разработка бизнес-логики клиент-серверного приложения</a:t>
             </a:r>
             <a:endParaRPr b="0" lang="ru-RU" sz="1800" spc="-1" strike="noStrike">
               <a:latin typeface="Arial"/>
@@ -2443,21 +2515,33 @@
             </a:pPr>
             <a:r>
               <a:rPr b="0" lang="ru-RU" sz="1800" spc="-1" strike="noStrike">
+                <a:solidFill>
+                  <a:srgbClr val="000000"/>
+                </a:solidFill>
                 <a:latin typeface="Arial"/>
-              </a:rPr>
-              <a:t>10.02</a:t>
+                <a:ea typeface="DejaVu Sans"/>
+              </a:rPr>
+              <a:t>25.02</a:t>
             </a:r>
             <a:r>
               <a:rPr b="0" lang="ru-RU" sz="1800" spc="-1" strike="noStrike">
+                <a:solidFill>
+                  <a:srgbClr val="000000"/>
+                </a:solidFill>
                 <a:latin typeface="Arial"/>
+                <a:ea typeface="DejaVu Sans"/>
               </a:rPr>
               <a:t>	</a:t>
             </a:r>
             <a:r>
               <a:rPr b="0" lang="ru-RU" sz="1800" spc="-1" strike="noStrike">
+                <a:solidFill>
+                  <a:srgbClr val="000000"/>
+                </a:solidFill>
                 <a:latin typeface="Arial"/>
-              </a:rPr>
-              <a:t>Разработка бизнес-логики клиент-серверного приложения </a:t>
+                <a:ea typeface="DejaVu Sans"/>
+              </a:rPr>
+              <a:t>Разработка слоя работы с БД</a:t>
             </a:r>
             <a:endParaRPr b="0" lang="ru-RU" sz="1800" spc="-1" strike="noStrike">
               <a:latin typeface="Arial"/>
@@ -2471,21 +2555,33 @@
             </a:pPr>
             <a:r>
               <a:rPr b="0" lang="ru-RU" sz="1800" spc="-1" strike="noStrike">
+                <a:solidFill>
+                  <a:srgbClr val="000000"/>
+                </a:solidFill>
                 <a:latin typeface="Arial"/>
-              </a:rPr>
-              <a:t>17.02</a:t>
+                <a:ea typeface="DejaVu Sans"/>
+              </a:rPr>
+              <a:t>04.03</a:t>
             </a:r>
             <a:r>
               <a:rPr b="0" lang="ru-RU" sz="1800" spc="-1" strike="noStrike">
+                <a:solidFill>
+                  <a:srgbClr val="000000"/>
+                </a:solidFill>
                 <a:latin typeface="Arial"/>
+                <a:ea typeface="DejaVu Sans"/>
               </a:rPr>
               <a:t>	</a:t>
             </a:r>
             <a:r>
               <a:rPr b="0" lang="ru-RU" sz="1800" spc="-1" strike="noStrike">
+                <a:solidFill>
+                  <a:srgbClr val="000000"/>
+                </a:solidFill>
                 <a:latin typeface="Arial"/>
-              </a:rPr>
-              <a:t>Разработка слоя работы с БД </a:t>
+                <a:ea typeface="DejaVu Sans"/>
+              </a:rPr>
+              <a:t>Разработка Web API сервисов</a:t>
             </a:r>
             <a:endParaRPr b="0" lang="ru-RU" sz="1800" spc="-1" strike="noStrike">
               <a:latin typeface="Arial"/>
@@ -2499,21 +2595,33 @@
             </a:pPr>
             <a:r>
               <a:rPr b="0" lang="ru-RU" sz="1800" spc="-1" strike="noStrike">
+                <a:solidFill>
+                  <a:srgbClr val="000000"/>
+                </a:solidFill>
                 <a:latin typeface="Arial"/>
-              </a:rPr>
-              <a:t>24.02</a:t>
+                <a:ea typeface="DejaVu Sans"/>
+              </a:rPr>
+              <a:t>11.03</a:t>
             </a:r>
             <a:r>
               <a:rPr b="0" lang="ru-RU" sz="1800" spc="-1" strike="noStrike">
+                <a:solidFill>
+                  <a:srgbClr val="000000"/>
+                </a:solidFill>
                 <a:latin typeface="Arial"/>
+                <a:ea typeface="DejaVu Sans"/>
               </a:rPr>
               <a:t>	</a:t>
             </a:r>
             <a:r>
               <a:rPr b="0" lang="ru-RU" sz="1800" spc="-1" strike="noStrike">
+                <a:solidFill>
+                  <a:srgbClr val="000000"/>
+                </a:solidFill>
                 <a:latin typeface="Arial"/>
-              </a:rPr>
-              <a:t>ВЫХОДНОЙ</a:t>
+                <a:ea typeface="DejaVu Sans"/>
+              </a:rPr>
+              <a:t>Разработка ASP.NET MVC приложения для работы с Web API</a:t>
             </a:r>
             <a:endParaRPr b="0" lang="ru-RU" sz="1800" spc="-1" strike="noStrike">
               <a:latin typeface="Arial"/>
@@ -2527,27 +2635,83 @@
             </a:pPr>
             <a:r>
               <a:rPr b="0" lang="ru-RU" sz="1800" spc="-1" strike="noStrike">
+                <a:solidFill>
+                  <a:srgbClr val="000000"/>
+                </a:solidFill>
                 <a:latin typeface="Arial"/>
-              </a:rPr>
-              <a:t>2.03</a:t>
+                <a:ea typeface="DejaVu Sans"/>
+              </a:rPr>
+              <a:t>18.03</a:t>
             </a:r>
             <a:r>
               <a:rPr b="0" lang="ru-RU" sz="1800" spc="-1" strike="noStrike">
+                <a:solidFill>
+                  <a:srgbClr val="000000"/>
+                </a:solidFill>
                 <a:latin typeface="Arial"/>
+                <a:ea typeface="DejaVu Sans"/>
               </a:rPr>
               <a:t>	</a:t>
             </a:r>
             <a:r>
               <a:rPr b="0" lang="ru-RU" sz="1800" spc="-1" strike="noStrike">
+                <a:solidFill>
+                  <a:srgbClr val="000000"/>
+                </a:solidFill>
                 <a:latin typeface="Arial"/>
+                <a:ea typeface="DejaVu Sans"/>
+              </a:rPr>
+              <a:t>Коллоквиум</a:t>
+            </a:r>
+            <a:endParaRPr b="0" lang="ru-RU" sz="1800" spc="-1" strike="noStrike">
+              <a:latin typeface="Arial"/>
+            </a:endParaRPr>
+          </a:p>
+          <a:p>
+            <a:pPr>
+              <a:lnSpc>
+                <a:spcPct val="150000"/>
+              </a:lnSpc>
+            </a:pPr>
+            <a:r>
+              <a:rPr b="0" lang="ru-RU" sz="1800" spc="-1" strike="noStrike">
+                <a:solidFill>
+                  <a:srgbClr val="000000"/>
+                </a:solidFill>
+                <a:latin typeface="Arial"/>
+                <a:ea typeface="DejaVu Sans"/>
+              </a:rPr>
+              <a:t>25.03</a:t>
+            </a:r>
+            <a:r>
+              <a:rPr b="0" lang="ru-RU" sz="1800" spc="-1" strike="noStrike">
+                <a:solidFill>
+                  <a:srgbClr val="000000"/>
+                </a:solidFill>
+                <a:latin typeface="Arial"/>
+                <a:ea typeface="DejaVu Sans"/>
               </a:rPr>
               <a:t>	</a:t>
             </a:r>
             <a:r>
               <a:rPr b="0" lang="ru-RU" sz="1800" spc="-1" strike="noStrike">
+                <a:solidFill>
+                  <a:srgbClr val="000000"/>
+                </a:solidFill>
                 <a:latin typeface="Arial"/>
-              </a:rPr>
-              <a:t>Разработка Web API сервисов </a:t>
+                <a:ea typeface="DejaVu Sans"/>
+              </a:rPr>
+              <a:t>Коллоквиум + </a:t>
+            </a:r>
+            <a:r>
+              <a:rPr b="0" lang="ru-RU" sz="1800" spc="-1" strike="noStrike">
+                <a:solidFill>
+                  <a:srgbClr val="000000"/>
+                </a:solidFill>
+                <a:latin typeface="Arial"/>
+                <a:ea typeface="DejaVu Sans"/>
+              </a:rPr>
+              <a:t>Тест (10 вопросов, 4 варианта в каждом, 1 правильный)  </a:t>
             </a:r>
             <a:endParaRPr b="0" lang="ru-RU" sz="1800" spc="-1" strike="noStrike">
               <a:latin typeface="Arial"/>
@@ -2561,143 +2725,41 @@
             </a:pPr>
             <a:r>
               <a:rPr b="0" lang="ru-RU" sz="1800" spc="-1" strike="noStrike">
+                <a:solidFill>
+                  <a:srgbClr val="000000"/>
+                </a:solidFill>
                 <a:latin typeface="Arial"/>
-              </a:rPr>
-              <a:t>9.03</a:t>
+                <a:ea typeface="DejaVu Sans"/>
+              </a:rPr>
+              <a:t>4.04</a:t>
             </a:r>
             <a:r>
               <a:rPr b="0" lang="ru-RU" sz="1800" spc="-1" strike="noStrike">
+                <a:solidFill>
+                  <a:srgbClr val="000000"/>
+                </a:solidFill>
                 <a:latin typeface="Arial"/>
+                <a:ea typeface="DejaVu Sans"/>
               </a:rPr>
               <a:t>	</a:t>
             </a:r>
             <a:r>
               <a:rPr b="0" lang="ru-RU" sz="1800" spc="-1" strike="noStrike">
+                <a:solidFill>
+                  <a:srgbClr val="000000"/>
+                </a:solidFill>
                 <a:latin typeface="Arial"/>
+                <a:ea typeface="DejaVu Sans"/>
               </a:rPr>
               <a:t>	</a:t>
             </a:r>
             <a:r>
               <a:rPr b="0" lang="ru-RU" sz="1800" spc="-1" strike="noStrike">
+                <a:solidFill>
+                  <a:srgbClr val="000000"/>
+                </a:solidFill>
                 <a:latin typeface="Arial"/>
-              </a:rPr>
-              <a:t>ВЫХОДНОЙ</a:t>
-            </a:r>
-            <a:endParaRPr b="0" lang="ru-RU" sz="1800" spc="-1" strike="noStrike">
-              <a:latin typeface="Arial"/>
-            </a:endParaRPr>
-          </a:p>
-          <a:p>
-            <a:pPr>
-              <a:lnSpc>
-                <a:spcPct val="150000"/>
-              </a:lnSpc>
-            </a:pPr>
-            <a:r>
-              <a:rPr b="0" lang="ru-RU" sz="1800" spc="-1" strike="noStrike">
-                <a:latin typeface="Arial"/>
-              </a:rPr>
-              <a:t>16.03</a:t>
-            </a:r>
-            <a:r>
-              <a:rPr b="0" lang="ru-RU" sz="1800" spc="-1" strike="noStrike">
-                <a:latin typeface="Arial"/>
-              </a:rPr>
-              <a:t>	</a:t>
-            </a:r>
-            <a:r>
-              <a:rPr b="0" lang="ru-RU" sz="1800" spc="-1" strike="noStrike">
-                <a:latin typeface="Arial"/>
-              </a:rPr>
-              <a:t>Разработка Web API сервисов </a:t>
-            </a:r>
-            <a:endParaRPr b="0" lang="ru-RU" sz="1800" spc="-1" strike="noStrike">
-              <a:latin typeface="Arial"/>
-            </a:endParaRPr>
-          </a:p>
-          <a:p>
-            <a:pPr>
-              <a:lnSpc>
-                <a:spcPct val="150000"/>
-              </a:lnSpc>
-            </a:pPr>
-            <a:r>
-              <a:rPr b="0" lang="ru-RU" sz="1800" spc="-1" strike="noStrike">
-                <a:latin typeface="Arial"/>
-              </a:rPr>
-              <a:t>23.03</a:t>
-            </a:r>
-            <a:r>
-              <a:rPr b="0" lang="ru-RU" sz="1800" spc="-1" strike="noStrike">
-                <a:latin typeface="Arial"/>
-              </a:rPr>
-              <a:t>	</a:t>
-            </a:r>
-            <a:r>
-              <a:rPr b="0" lang="ru-RU" sz="1800" spc="-1" strike="noStrike">
-                <a:latin typeface="Arial"/>
-              </a:rPr>
-              <a:t>Разработка ASP.NET MVC приложения для работы с Web API </a:t>
-            </a:r>
-            <a:endParaRPr b="0" lang="ru-RU" sz="1800" spc="-1" strike="noStrike">
-              <a:latin typeface="Arial"/>
-            </a:endParaRPr>
-          </a:p>
-          <a:p>
-            <a:pPr>
-              <a:lnSpc>
-                <a:spcPct val="150000"/>
-              </a:lnSpc>
-            </a:pPr>
-            <a:r>
-              <a:rPr b="0" lang="ru-RU" sz="1800" spc="-1" strike="noStrike">
-                <a:latin typeface="Arial"/>
-              </a:rPr>
-              <a:t>30.03</a:t>
-            </a:r>
-            <a:r>
-              <a:rPr b="0" lang="ru-RU" sz="1800" spc="-1" strike="noStrike">
-                <a:latin typeface="Arial"/>
-              </a:rPr>
-              <a:t>	</a:t>
-            </a:r>
-            <a:r>
-              <a:rPr b="0" lang="ru-RU" sz="1800" spc="-1" strike="noStrike">
-                <a:latin typeface="Arial"/>
-              </a:rPr>
-              <a:t>Тест (10 вопросов, 4 варианта в каждом, 1 правильный) </a:t>
-            </a:r>
-            <a:endParaRPr b="0" lang="ru-RU" sz="1800" spc="-1" strike="noStrike">
-              <a:latin typeface="Arial"/>
-            </a:endParaRPr>
-          </a:p>
-          <a:p>
-            <a:pPr>
-              <a:lnSpc>
-                <a:spcPct val="150000"/>
-              </a:lnSpc>
-            </a:pPr>
-            <a:r>
-              <a:rPr b="0" lang="ru-RU" sz="1800" spc="-1" strike="noStrike">
-                <a:latin typeface="Arial"/>
-              </a:rPr>
-              <a:t>6.04</a:t>
-            </a:r>
-            <a:r>
-              <a:rPr b="0" lang="ru-RU" sz="1800" spc="-1" strike="noStrike">
-                <a:latin typeface="Arial"/>
-              </a:rPr>
-              <a:t>	</a:t>
-            </a:r>
-            <a:r>
-              <a:rPr b="0" lang="ru-RU" sz="1800" spc="-1" strike="noStrike">
-                <a:latin typeface="Arial"/>
-              </a:rPr>
-              <a:t>	</a:t>
-            </a:r>
-            <a:r>
-              <a:rPr b="0" lang="ru-RU" sz="1800" spc="-1" strike="noStrike">
-                <a:latin typeface="Arial"/>
+                <a:ea typeface="DejaVu Sans"/>
               </a:rPr>
               <a:t>Начинаем зачет</a:t>
             </a:r>
@@ -2709,33 +2771,14 @@
       </p:sp>
     </p:spTree>
   </p:cSld>
-  <p:timing>
-    <p:tnLst>
-      <p:par>
-        <p:cTn id="21" dur="indefinite" restart="never" nodeType="tmRoot">
-          <p:childTnLst>
-            <p:seq>
-              <p:cTn id="22" dur="indefinite" nodeType="mainSeq"/>
-              <p:prevCondLst>
-                <p:cond delay="0" evt="onPrev">
-                  <p:tgtEl>
-                    <p:sldTgt/>
-                  </p:tgtEl>
-                </p:cond>
-              </p:prevCondLst>
-              <p:nextCondLst>
-                <p:cond delay="0" evt="onNext">
-                  <p:tgtEl>
-                    <p:sldTgt/>
-                  </p:tgtEl>
-                </p:cond>
-              </p:nextCondLst>
-            </p:seq>
-          </p:childTnLst>
-        </p:cTn>
-      </p:par>
-    </p:tnLst>
-  </p:timing>
+  <mc:AlternateContent>
+    <mc:Choice Requires="p14">
+      <p:transition spd="slow" p14:dur="2000"/>
+    </mc:Choice>
+    <mc:Fallback>
+      <p:transition spd="slow"/>
+    </mc:Fallback>
+  </mc:AlternateContent>
 </p:sld>
 </file>
 
@@ -2765,7 +2808,7 @@
         <p:spPr>
           <a:xfrm>
             <a:off x="578160" y="34560"/>
-            <a:ext cx="10797120" cy="1260720"/>
+            <a:ext cx="10796760" cy="1260360"/>
           </a:xfrm>
           <a:prstGeom prst="rect">
             <a:avLst/>
@@ -2782,7 +2825,9 @@
           <a:fontRef idx="minor"/>
         </p:style>
         <p:txBody>
-          <a:bodyPr lIns="0" rIns="0" tIns="0" bIns="0" anchor="ctr"/>
+          <a:bodyPr lIns="0" rIns="0" tIns="0" bIns="0" anchor="ctr">
+            <a:noAutofit/>
+          </a:bodyPr>
           <a:p>
             <a:pPr algn="ctr">
               <a:lnSpc>
@@ -2797,7 +2842,7 @@
                 <a:latin typeface="Arial"/>
                 <a:ea typeface="DejaVu Sans"/>
               </a:rPr>
-              <a:t>Лекции</a:t>
+              <a:t>Домашнее задание</a:t>
             </a:r>
             <a:endParaRPr b="0" lang="ru-RU" sz="4400" spc="-1" strike="noStrike">
               <a:latin typeface="Arial"/>
@@ -2813,8 +2858,8 @@
         </p:nvSpPr>
         <p:spPr>
           <a:xfrm>
-            <a:off x="578160" y="921600"/>
-            <a:ext cx="6800400" cy="3774600"/>
+            <a:off x="360000" y="5400000"/>
+            <a:ext cx="10796760" cy="1260360"/>
           </a:xfrm>
           <a:prstGeom prst="rect">
             <a:avLst/>
@@ -2830,6 +2875,31 @@
           <a:effectRef idx="0"/>
           <a:fontRef idx="minor"/>
         </p:style>
+        <p:txBody>
+          <a:bodyPr lIns="0" rIns="0" tIns="0" bIns="0" anchor="ctr">
+            <a:noAutofit/>
+          </a:bodyPr>
+          <a:p>
+            <a:pPr>
+              <a:lnSpc>
+                <a:spcPct val="100000"/>
+              </a:lnSpc>
+            </a:pPr>
+            <a:r>
+              <a:rPr b="0" lang="ru-RU" sz="2800" spc="-1" strike="noStrike">
+                <a:solidFill>
+                  <a:srgbClr val="000000"/>
+                </a:solidFill>
+                <a:latin typeface="Arial"/>
+                <a:ea typeface="DejaVu Sans"/>
+              </a:rPr>
+              <a:t>Основы разработки корпоративных систем на платформе .NET</a:t>
+            </a:r>
+            <a:endParaRPr b="0" lang="ru-RU" sz="2800" spc="-1" strike="noStrike">
+              <a:latin typeface="Arial"/>
+            </a:endParaRPr>
+          </a:p>
+        </p:txBody>
       </p:sp>
       <p:sp>
         <p:nvSpPr>
@@ -2839,8 +2909,8 @@
         </p:nvSpPr>
         <p:spPr>
           <a:xfrm>
-            <a:off x="360000" y="5400000"/>
-            <a:ext cx="10797120" cy="1260720"/>
+            <a:off x="802080" y="1008000"/>
+            <a:ext cx="6469200" cy="3795120"/>
           </a:xfrm>
           <a:prstGeom prst="rect">
             <a:avLst/>
@@ -2857,294 +2927,292 @@
           <a:fontRef idx="minor"/>
         </p:style>
         <p:txBody>
-          <a:bodyPr lIns="0" rIns="0" tIns="0" bIns="0" anchor="ctr"/>
-          <a:p>
-            <a:r>
-              <a:rPr b="0" lang="ru-RU" sz="2800" spc="-1" strike="noStrike">
-                <a:solidFill>
-                  <a:srgbClr val="000000"/>
-                </a:solidFill>
-                <a:latin typeface="Arial"/>
-                <a:ea typeface="DejaVu Sans"/>
-              </a:rPr>
-              <a:t>Основы разработки корпоративных систем на платформе .NET</a:t>
-            </a:r>
-            <a:endParaRPr b="0" lang="ru-RU" sz="2800" spc="-1" strike="noStrike">
-              <a:latin typeface="Arial"/>
-            </a:endParaRPr>
-          </a:p>
-        </p:txBody>
-      </p:sp>
-      <p:sp>
-        <p:nvSpPr>
-          <p:cNvPr id="75" name="CustomShape 4"/>
-          <p:cNvSpPr/>
-          <p:nvPr/>
-        </p:nvSpPr>
-        <p:spPr>
-          <a:xfrm>
-            <a:off x="1996200" y="1440000"/>
-            <a:ext cx="8731440" cy="3729960"/>
-          </a:xfrm>
-          <a:prstGeom prst="rect">
-            <a:avLst/>
-          </a:prstGeom>
-          <a:noFill/>
-          <a:ln>
-            <a:noFill/>
-          </a:ln>
-        </p:spPr>
-        <p:style>
-          <a:lnRef idx="0"/>
-          <a:fillRef idx="0"/>
-          <a:effectRef idx="0"/>
-          <a:fontRef idx="minor"/>
-        </p:style>
-        <p:txBody>
-          <a:bodyPr lIns="90000" rIns="90000" tIns="45000" bIns="45000"/>
-          <a:p>
-            <a:pPr>
+          <a:bodyPr lIns="90000" rIns="90000" tIns="45000" bIns="45000">
+            <a:noAutofit/>
+          </a:bodyPr>
+          <a:p>
+            <a:pPr marL="216000" indent="-214920">
+              <a:lnSpc>
+                <a:spcPct val="100000"/>
+              </a:lnSpc>
+              <a:spcBef>
+                <a:spcPts val="451"/>
+              </a:spcBef>
+              <a:spcAft>
+                <a:spcPts val="451"/>
+              </a:spcAft>
+              <a:buClr>
+                <a:srgbClr val="000000"/>
+              </a:buClr>
+              <a:buSzPct val="45000"/>
+              <a:buFont typeface="Wingdings" charset="2"/>
+              <a:buChar char=""/>
+            </a:pPr>
+            <a:r>
+              <a:rPr b="0" lang="ru-RU" sz="1500" spc="-1" strike="noStrike">
+                <a:solidFill>
+                  <a:srgbClr val="000000"/>
+                </a:solidFill>
+                <a:latin typeface="Open Sans"/>
+                <a:ea typeface="DejaVu Sans"/>
+              </a:rPr>
+              <a:t>Создать проект (Agile/Git) на visualstudio.com или на Github</a:t>
+            </a:r>
+            <a:endParaRPr b="0" lang="ru-RU" sz="1500" spc="-1" strike="noStrike">
+              <a:latin typeface="Arial"/>
+            </a:endParaRPr>
+          </a:p>
+          <a:p>
+            <a:pPr marL="216000" indent="-214920">
+              <a:lnSpc>
+                <a:spcPct val="100000"/>
+              </a:lnSpc>
+              <a:spcBef>
+                <a:spcPts val="451"/>
+              </a:spcBef>
+              <a:spcAft>
+                <a:spcPts val="451"/>
+              </a:spcAft>
+              <a:buClr>
+                <a:srgbClr val="000000"/>
+              </a:buClr>
+              <a:buSzPct val="45000"/>
+              <a:buFont typeface="Wingdings" charset="2"/>
+              <a:buChar char=""/>
+            </a:pPr>
+            <a:r>
+              <a:rPr b="0" lang="ru-RU" sz="1500" spc="-1" strike="noStrike">
+                <a:solidFill>
+                  <a:srgbClr val="000000"/>
+                </a:solidFill>
+                <a:latin typeface="Open Sans"/>
+                <a:ea typeface="DejaVu Sans"/>
+              </a:rPr>
+              <a:t>(Для домашних заданий) Установить себе:</a:t>
+            </a:r>
+            <a:endParaRPr b="0" lang="ru-RU" sz="1500" spc="-1" strike="noStrike">
+              <a:latin typeface="Arial"/>
+            </a:endParaRPr>
+          </a:p>
+          <a:p>
+            <a:pPr marL="216000" indent="-216000">
+              <a:lnSpc>
+                <a:spcPct val="100000"/>
+              </a:lnSpc>
+              <a:spcBef>
+                <a:spcPts val="451"/>
+              </a:spcBef>
+              <a:spcAft>
+                <a:spcPts val="451"/>
+              </a:spcAft>
+              <a:buClr>
+                <a:srgbClr val="000000"/>
+              </a:buClr>
+              <a:buFont typeface="StarSymbol"/>
+              <a:buAutoNum type="arabicParenR"/>
+            </a:pPr>
+            <a:r>
+              <a:rPr b="0" lang="ru-RU" sz="1400" spc="-1" strike="noStrike">
+                <a:solidFill>
+                  <a:srgbClr val="000000"/>
+                </a:solidFill>
+                <a:latin typeface="Open Sans"/>
+                <a:ea typeface="DejaVu Sans"/>
+              </a:rPr>
+              <a:t>VS 2019 Community Edition + ReSharper и получить на него студенческую лицензию + </a:t>
+            </a:r>
+            <a:r>
+              <a:rPr b="0" lang="ru-RU" sz="1400" spc="-1" strike="noStrike">
+                <a:solidFill>
+                  <a:srgbClr val="000000"/>
+                </a:solidFill>
+                <a:latin typeface="Open Sans"/>
+                <a:ea typeface="DejaVu Sans"/>
+              </a:rPr>
+              <a:t>Productivity Power Tools (по желанию)</a:t>
+            </a:r>
+            <a:endParaRPr b="0" lang="ru-RU" sz="1400" spc="-1" strike="noStrike">
+              <a:latin typeface="Arial"/>
+            </a:endParaRPr>
+          </a:p>
+          <a:p>
+            <a:pPr marL="216000" indent="-214920">
+              <a:lnSpc>
+                <a:spcPct val="100000"/>
+              </a:lnSpc>
+              <a:spcBef>
+                <a:spcPts val="451"/>
+              </a:spcBef>
+              <a:spcAft>
+                <a:spcPts val="451"/>
+              </a:spcAft>
+              <a:buClr>
+                <a:srgbClr val="000000"/>
+              </a:buClr>
+              <a:buFont typeface="StarSymbol"/>
+              <a:buAutoNum type="arabicParenR"/>
+            </a:pPr>
+            <a:r>
+              <a:rPr b="0" lang="ru-RU" sz="1400" spc="-1" strike="noStrike">
+                <a:solidFill>
+                  <a:srgbClr val="000000"/>
+                </a:solidFill>
+                <a:latin typeface="Open Sans"/>
+                <a:ea typeface="DejaVu Sans"/>
+              </a:rPr>
+              <a:t>Альтернативно — JetBrains Rider</a:t>
+            </a:r>
+            <a:endParaRPr b="0" lang="ru-RU" sz="1400" spc="-1" strike="noStrike">
+              <a:latin typeface="Arial"/>
+            </a:endParaRPr>
+          </a:p>
+          <a:p>
+            <a:pPr marL="216000" indent="-214920">
+              <a:lnSpc>
+                <a:spcPct val="100000"/>
+              </a:lnSpc>
+              <a:spcBef>
+                <a:spcPts val="451"/>
+              </a:spcBef>
+              <a:spcAft>
+                <a:spcPts val="451"/>
+              </a:spcAft>
+              <a:buClr>
+                <a:srgbClr val="000000"/>
+              </a:buClr>
+              <a:buFont typeface="StarSymbol"/>
+              <a:buAutoNum type="arabicParenR"/>
+            </a:pPr>
+            <a:r>
+              <a:rPr b="0" lang="ru-RU" sz="1400" spc="-1" strike="noStrike">
+                <a:solidFill>
+                  <a:srgbClr val="000000"/>
+                </a:solidFill>
+                <a:latin typeface="Open Sans"/>
+                <a:ea typeface="DejaVu Sans"/>
+              </a:rPr>
+              <a:t>Git Extension / SmartGit / etc?</a:t>
+            </a:r>
+            <a:endParaRPr b="0" lang="ru-RU" sz="1400" spc="-1" strike="noStrike">
+              <a:latin typeface="Arial"/>
+            </a:endParaRPr>
+          </a:p>
+          <a:p>
+            <a:pPr marL="216000" indent="-214920">
+              <a:lnSpc>
+                <a:spcPct val="100000"/>
+              </a:lnSpc>
+              <a:spcBef>
+                <a:spcPts val="451"/>
+              </a:spcBef>
+              <a:spcAft>
+                <a:spcPts val="451"/>
+              </a:spcAft>
+              <a:buClr>
+                <a:srgbClr val="000000"/>
+              </a:buClr>
+              <a:buSzPct val="45000"/>
+              <a:buFont typeface="Wingdings" charset="2"/>
+              <a:buChar char=""/>
+            </a:pPr>
+            <a:r>
+              <a:rPr b="0" lang="ru-RU" sz="1500" spc="-1" strike="noStrike">
+                <a:solidFill>
+                  <a:srgbClr val="000000"/>
+                </a:solidFill>
+                <a:latin typeface="Open Sans"/>
+                <a:ea typeface="DejaVu Sans"/>
+              </a:rPr>
+              <a:t>Решить три простые задачи, решения залить в Git:</a:t>
+            </a:r>
+            <a:endParaRPr b="0" lang="ru-RU" sz="1500" spc="-1" strike="noStrike">
+              <a:latin typeface="Arial"/>
+            </a:endParaRPr>
+          </a:p>
+          <a:p>
+            <a:pPr marL="216000" indent="-214920">
+              <a:lnSpc>
+                <a:spcPct val="100000"/>
+              </a:lnSpc>
+              <a:spcBef>
+                <a:spcPts val="451"/>
+              </a:spcBef>
+              <a:spcAft>
+                <a:spcPts val="451"/>
+              </a:spcAft>
+              <a:buClr>
+                <a:srgbClr val="000000"/>
+              </a:buClr>
+              <a:buFont typeface="StarSymbol"/>
+              <a:buAutoNum type="arabicParenR"/>
+            </a:pPr>
+            <a:r>
+              <a:rPr b="0" lang="ru-RU" sz="1400" spc="-1" strike="noStrike">
+                <a:solidFill>
+                  <a:srgbClr val="000000"/>
+                </a:solidFill>
+                <a:latin typeface="Open Sans"/>
+                <a:ea typeface="DejaVu Sans"/>
+              </a:rPr>
+              <a:t>Реализовать связный список: создание, удаление, добавление произвольных элементов, реверс списка - без использования стандартных коллекций/LINQ (только IEnumerable)</a:t>
+            </a:r>
+            <a:endParaRPr b="0" lang="ru-RU" sz="1400" spc="-1" strike="noStrike">
+              <a:latin typeface="Arial"/>
+            </a:endParaRPr>
+          </a:p>
+          <a:p>
+            <a:pPr marL="216000" indent="-214920">
+              <a:lnSpc>
+                <a:spcPct val="100000"/>
+              </a:lnSpc>
+              <a:spcBef>
+                <a:spcPts val="451"/>
+              </a:spcBef>
+              <a:spcAft>
+                <a:spcPts val="451"/>
+              </a:spcAft>
+              <a:buClr>
+                <a:srgbClr val="000000"/>
+              </a:buClr>
+              <a:buFont typeface="StarSymbol"/>
+              <a:buAutoNum type="arabicParenR"/>
+            </a:pPr>
+            <a:r>
+              <a:rPr b="0" lang="ru-RU" sz="1400" spc="-1" strike="noStrike">
+                <a:solidFill>
+                  <a:srgbClr val="000000"/>
+                </a:solidFill>
+                <a:latin typeface="Open Sans"/>
+                <a:ea typeface="DejaVu Sans"/>
+              </a:rPr>
+              <a:t>Реализовать бинарное дерево: заполнение, поиск, удаление элемента - без использования стандартных деревьев</a:t>
+            </a:r>
+            <a:endParaRPr b="0" lang="ru-RU" sz="1400" spc="-1" strike="noStrike">
+              <a:latin typeface="Arial"/>
+            </a:endParaRPr>
+          </a:p>
+          <a:p>
+            <a:pPr marL="216000" indent="-214920">
               <a:lnSpc>
                 <a:spcPct val="150000"/>
               </a:lnSpc>
-            </a:pPr>
-            <a:r>
-              <a:rPr b="0" lang="ru-RU" sz="1800" spc="-1" strike="noStrike">
-                <a:latin typeface="Arial"/>
-              </a:rPr>
-              <a:t>14.02</a:t>
-            </a:r>
-            <a:r>
-              <a:rPr b="0" lang="ru-RU" sz="1800" spc="-1" strike="noStrike">
-                <a:latin typeface="Arial"/>
-              </a:rPr>
-              <a:t>	</a:t>
-            </a:r>
-            <a:r>
-              <a:rPr b="0" lang="ru-RU" sz="1800" spc="-1" strike="noStrike">
-                <a:latin typeface="Arial"/>
-              </a:rPr>
-              <a:t>Тестовое задание на базовый уровень (3 простых задачи) </a:t>
-            </a:r>
-            <a:endParaRPr b="0" lang="ru-RU" sz="1800" spc="-1" strike="noStrike">
-              <a:latin typeface="Arial"/>
-            </a:endParaRPr>
-          </a:p>
-          <a:p>
-            <a:pPr>
-              <a:lnSpc>
-                <a:spcPct val="150000"/>
-              </a:lnSpc>
-            </a:pPr>
-            <a:r>
-              <a:rPr b="0" lang="ru-RU" sz="1800" spc="-1" strike="noStrike">
-                <a:latin typeface="Arial"/>
-              </a:rPr>
-              <a:t>21.02</a:t>
-            </a:r>
-            <a:r>
-              <a:rPr b="0" lang="ru-RU" sz="1800" spc="-1" strike="noStrike">
-                <a:latin typeface="Arial"/>
-              </a:rPr>
-              <a:t>	</a:t>
-            </a:r>
-            <a:r>
-              <a:rPr b="0" lang="ru-RU" sz="1800" spc="-1" strike="noStrike">
-                <a:latin typeface="Arial"/>
-              </a:rPr>
-              <a:t>Разработка бизнес-логики клиент-серверного приложения </a:t>
-            </a:r>
-            <a:endParaRPr b="0" lang="ru-RU" sz="1800" spc="-1" strike="noStrike">
-              <a:latin typeface="Arial"/>
-            </a:endParaRPr>
-          </a:p>
-          <a:p>
-            <a:pPr>
-              <a:lnSpc>
-                <a:spcPct val="150000"/>
-              </a:lnSpc>
-            </a:pPr>
-            <a:r>
-              <a:rPr b="0" lang="ru-RU" sz="1800" spc="-1" strike="noStrike">
-                <a:latin typeface="Arial"/>
-              </a:rPr>
-              <a:t>28.02</a:t>
-            </a:r>
-            <a:r>
-              <a:rPr b="0" lang="ru-RU" sz="1800" spc="-1" strike="noStrike">
-                <a:latin typeface="Arial"/>
-              </a:rPr>
-              <a:t>	</a:t>
-            </a:r>
-            <a:r>
-              <a:rPr b="0" lang="ru-RU" sz="1800" spc="-1" strike="noStrike">
-                <a:latin typeface="Arial"/>
-              </a:rPr>
-              <a:t>Разработка слоя работы с БД </a:t>
-            </a:r>
-            <a:endParaRPr b="0" lang="ru-RU" sz="1800" spc="-1" strike="noStrike">
-              <a:latin typeface="Arial"/>
-            </a:endParaRPr>
-          </a:p>
-          <a:p>
-            <a:pPr>
-              <a:lnSpc>
-                <a:spcPct val="150000"/>
-              </a:lnSpc>
-            </a:pPr>
-            <a:r>
-              <a:rPr b="0" lang="ru-RU" sz="1800" spc="-1" strike="noStrike">
-                <a:latin typeface="Arial"/>
-              </a:rPr>
-              <a:t>6.03</a:t>
-            </a:r>
-            <a:r>
-              <a:rPr b="0" lang="ru-RU" sz="1800" spc="-1" strike="noStrike">
-                <a:latin typeface="Arial"/>
-              </a:rPr>
-              <a:t>	</a:t>
-            </a:r>
-            <a:r>
-              <a:rPr b="0" lang="ru-RU" sz="1800" spc="-1" strike="noStrike">
-                <a:latin typeface="Arial"/>
-              </a:rPr>
-              <a:t>	</a:t>
-            </a:r>
-            <a:r>
-              <a:rPr b="0" lang="ru-RU" sz="1800" spc="-1" strike="noStrike">
-                <a:latin typeface="Arial"/>
-              </a:rPr>
-              <a:t>Разработка Web API сервисов </a:t>
-            </a:r>
-            <a:endParaRPr b="0" lang="ru-RU" sz="1800" spc="-1" strike="noStrike">
-              <a:latin typeface="Arial"/>
-            </a:endParaRPr>
-          </a:p>
-          <a:p>
-            <a:pPr>
-              <a:lnSpc>
-                <a:spcPct val="150000"/>
-              </a:lnSpc>
-            </a:pPr>
-            <a:r>
-              <a:rPr b="0" lang="ru-RU" sz="1800" spc="-1" strike="noStrike">
-                <a:latin typeface="Arial"/>
-              </a:rPr>
-              <a:t>13.03</a:t>
-            </a:r>
-            <a:r>
-              <a:rPr b="0" lang="ru-RU" sz="1800" spc="-1" strike="noStrike">
-                <a:latin typeface="Arial"/>
-              </a:rPr>
-              <a:t>	</a:t>
-            </a:r>
-            <a:r>
-              <a:rPr b="0" lang="ru-RU" sz="1800" spc="-1" strike="noStrike">
-                <a:latin typeface="Arial"/>
-              </a:rPr>
-              <a:t>Разработка Web API сервисов </a:t>
-            </a:r>
-            <a:endParaRPr b="0" lang="ru-RU" sz="1800" spc="-1" strike="noStrike">
-              <a:latin typeface="Arial"/>
-            </a:endParaRPr>
-          </a:p>
-          <a:p>
-            <a:pPr>
-              <a:lnSpc>
-                <a:spcPct val="150000"/>
-              </a:lnSpc>
-            </a:pPr>
-            <a:r>
-              <a:rPr b="0" lang="ru-RU" sz="1800" spc="-1" strike="noStrike">
-                <a:latin typeface="Arial"/>
-              </a:rPr>
-              <a:t>20.03</a:t>
-            </a:r>
-            <a:r>
-              <a:rPr b="0" lang="ru-RU" sz="1800" spc="-1" strike="noStrike">
-                <a:latin typeface="Arial"/>
-              </a:rPr>
-              <a:t>	</a:t>
-            </a:r>
-            <a:r>
-              <a:rPr b="0" lang="ru-RU" sz="1800" spc="-1" strike="noStrike">
-                <a:latin typeface="Arial"/>
-              </a:rPr>
-              <a:t>Разработка ASP.NET MVC приложения для работы с Web API </a:t>
-            </a:r>
-            <a:endParaRPr b="0" lang="ru-RU" sz="1800" spc="-1" strike="noStrike">
-              <a:latin typeface="Arial"/>
-            </a:endParaRPr>
-          </a:p>
-          <a:p>
-            <a:pPr>
-              <a:lnSpc>
-                <a:spcPct val="150000"/>
-              </a:lnSpc>
-            </a:pPr>
-            <a:r>
-              <a:rPr b="0" lang="ru-RU" sz="1800" spc="-1" strike="noStrike">
-                <a:latin typeface="Arial"/>
-              </a:rPr>
-              <a:t>27.03</a:t>
-            </a:r>
-            <a:r>
-              <a:rPr b="0" lang="ru-RU" sz="1800" spc="-1" strike="noStrike">
-                <a:latin typeface="Arial"/>
-              </a:rPr>
-              <a:t>	</a:t>
-            </a:r>
-            <a:r>
-              <a:rPr b="0" lang="ru-RU" sz="1800" spc="-1" strike="noStrike">
-                <a:latin typeface="Arial"/>
-              </a:rPr>
-              <a:t>Разработка ASP.NET MVC приложения для работы с Web API </a:t>
-            </a:r>
-            <a:endParaRPr b="0" lang="ru-RU" sz="1800" spc="-1" strike="noStrike">
-              <a:latin typeface="Arial"/>
-            </a:endParaRPr>
-          </a:p>
-          <a:p>
-            <a:pPr>
-              <a:lnSpc>
-                <a:spcPct val="150000"/>
-              </a:lnSpc>
-            </a:pPr>
-            <a:r>
-              <a:rPr b="0" lang="ru-RU" sz="1800" spc="-1" strike="noStrike">
-                <a:latin typeface="Arial"/>
-              </a:rPr>
-              <a:t>3.04</a:t>
-            </a:r>
-            <a:r>
-              <a:rPr b="0" lang="ru-RU" sz="1800" spc="-1" strike="noStrike">
-                <a:latin typeface="Arial"/>
-              </a:rPr>
-              <a:t>	</a:t>
-            </a:r>
-            <a:r>
-              <a:rPr b="0" lang="ru-RU" sz="1800" spc="-1" strike="noStrike">
-                <a:latin typeface="Arial"/>
-              </a:rPr>
-              <a:t>	</a:t>
-            </a:r>
-            <a:r>
-              <a:rPr b="0" lang="ru-RU" sz="1800" spc="-1" strike="noStrike">
-                <a:latin typeface="Arial"/>
-              </a:rPr>
-              <a:t>Сдаем практику</a:t>
-            </a:r>
-            <a:endParaRPr b="0" lang="ru-RU" sz="1800" spc="-1" strike="noStrike">
-              <a:latin typeface="Arial"/>
-            </a:endParaRPr>
-          </a:p>
-          <a:p>
-            <a:pPr>
-              <a:lnSpc>
-                <a:spcPct val="150000"/>
-              </a:lnSpc>
-            </a:pPr>
-            <a:endParaRPr b="0" lang="ru-RU" sz="1800" spc="-1" strike="noStrike">
+              <a:buClr>
+                <a:srgbClr val="000000"/>
+              </a:buClr>
+              <a:buFont typeface="StarSymbol"/>
+              <a:buAutoNum type="arabicParenR"/>
+            </a:pPr>
+            <a:r>
+              <a:rPr b="0" lang="ru-RU" sz="1400" spc="-1" strike="noStrike">
+                <a:solidFill>
+                  <a:srgbClr val="000000"/>
+                </a:solidFill>
+                <a:latin typeface="Open Sans"/>
+                <a:ea typeface="DejaVu Sans"/>
+              </a:rPr>
+              <a:t>Реализовать сортировку вставками - без .OrderBy() :)</a:t>
+            </a:r>
+            <a:endParaRPr b="0" lang="ru-RU" sz="1400" spc="-1" strike="noStrike">
               <a:latin typeface="Arial"/>
             </a:endParaRPr>
           </a:p>
@@ -3152,33 +3220,14 @@
       </p:sp>
     </p:spTree>
   </p:cSld>
-  <p:timing>
-    <p:tnLst>
-      <p:par>
-        <p:cTn id="23" dur="indefinite" restart="never" nodeType="tmRoot">
-          <p:childTnLst>
-            <p:seq>
-              <p:cTn id="24" dur="indefinite" nodeType="mainSeq"/>
-              <p:prevCondLst>
-                <p:cond delay="0" evt="onPrev">
-                  <p:tgtEl>
-                    <p:sldTgt/>
-                  </p:tgtEl>
-                </p:cond>
-              </p:prevCondLst>
-              <p:nextCondLst>
-                <p:cond delay="0" evt="onNext">
-                  <p:tgtEl>
-                    <p:sldTgt/>
-                  </p:tgtEl>
-                </p:cond>
-              </p:nextCondLst>
-            </p:seq>
-          </p:childTnLst>
-        </p:cTn>
-      </p:par>
-    </p:tnLst>
-  </p:timing>
+  <mc:AlternateContent>
+    <mc:Choice Requires="p14">
+      <p:transition spd="slow" p14:dur="2000"/>
+    </mc:Choice>
+    <mc:Fallback>
+      <p:transition spd="slow"/>
+    </mc:Fallback>
+  </mc:AlternateContent>
 </p:sld>
 </file>
 
@@ -3201,14 +3250,14 @@
       </p:grpSpPr>
       <p:sp>
         <p:nvSpPr>
-          <p:cNvPr id="76" name="CustomShape 1"/>
+          <p:cNvPr id="75" name="CustomShape 1"/>
           <p:cNvSpPr/>
           <p:nvPr/>
         </p:nvSpPr>
         <p:spPr>
           <a:xfrm>
-            <a:off x="578160" y="34560"/>
-            <a:ext cx="10797120" cy="1260720"/>
+            <a:off x="576000" y="1800000"/>
+            <a:ext cx="10796760" cy="1260360"/>
           </a:xfrm>
           <a:prstGeom prst="rect">
             <a:avLst/>
@@ -3225,7 +3274,9 @@
           <a:fontRef idx="minor"/>
         </p:style>
         <p:txBody>
-          <a:bodyPr lIns="0" rIns="0" tIns="0" bIns="0" anchor="ctr"/>
+          <a:bodyPr lIns="0" rIns="0" tIns="0" bIns="0" anchor="ctr">
+            <a:noAutofit/>
+          </a:bodyPr>
           <a:p>
             <a:pPr algn="ctr">
               <a:lnSpc>
@@ -3240,389 +3291,9 @@
                 <a:latin typeface="Arial"/>
                 <a:ea typeface="DejaVu Sans"/>
               </a:rPr>
-              <a:t>Домашнее задание</a:t>
+              <a:t>Спасибо за внимание!</a:t>
             </a:r>
             <a:endParaRPr b="0" lang="ru-RU" sz="4400" spc="-1" strike="noStrike">
-              <a:latin typeface="Arial"/>
-            </a:endParaRPr>
-          </a:p>
-        </p:txBody>
-      </p:sp>
-      <p:sp>
-        <p:nvSpPr>
-          <p:cNvPr id="77" name="CustomShape 2"/>
-          <p:cNvSpPr/>
-          <p:nvPr/>
-        </p:nvSpPr>
-        <p:spPr>
-          <a:xfrm>
-            <a:off x="360000" y="5400000"/>
-            <a:ext cx="10797120" cy="1260720"/>
-          </a:xfrm>
-          <a:prstGeom prst="rect">
-            <a:avLst/>
-          </a:prstGeom>
-          <a:noFill/>
-          <a:ln>
-            <a:noFill/>
-          </a:ln>
-        </p:spPr>
-        <p:style>
-          <a:lnRef idx="0"/>
-          <a:fillRef idx="0"/>
-          <a:effectRef idx="0"/>
-          <a:fontRef idx="minor"/>
-        </p:style>
-        <p:txBody>
-          <a:bodyPr lIns="0" rIns="0" tIns="0" bIns="0" anchor="ctr"/>
-          <a:p>
-            <a:r>
-              <a:rPr b="0" lang="ru-RU" sz="2800" spc="-1" strike="noStrike">
-                <a:solidFill>
-                  <a:srgbClr val="000000"/>
-                </a:solidFill>
-                <a:latin typeface="Arial"/>
-                <a:ea typeface="DejaVu Sans"/>
-              </a:rPr>
-              <a:t>Основы разработки корпоративных систем на платформе .NET</a:t>
-            </a:r>
-            <a:endParaRPr b="0" lang="ru-RU" sz="2800" spc="-1" strike="noStrike">
-              <a:latin typeface="Arial"/>
-            </a:endParaRPr>
-          </a:p>
-        </p:txBody>
-      </p:sp>
-      <p:sp>
-        <p:nvSpPr>
-          <p:cNvPr id="78" name="CustomShape 3"/>
-          <p:cNvSpPr/>
-          <p:nvPr/>
-        </p:nvSpPr>
-        <p:spPr>
-          <a:xfrm>
-            <a:off x="802080" y="1008000"/>
-            <a:ext cx="6469560" cy="3795480"/>
-          </a:xfrm>
-          <a:prstGeom prst="rect">
-            <a:avLst/>
-          </a:prstGeom>
-          <a:noFill/>
-          <a:ln>
-            <a:noFill/>
-          </a:ln>
-        </p:spPr>
-        <p:style>
-          <a:lnRef idx="0"/>
-          <a:fillRef idx="0"/>
-          <a:effectRef idx="0"/>
-          <a:fontRef idx="minor"/>
-        </p:style>
-        <p:txBody>
-          <a:bodyPr lIns="90000" rIns="90000" tIns="45000" bIns="45000"/>
-          <a:p>
-            <a:pPr marL="216000" indent="-215280">
-              <a:lnSpc>
-                <a:spcPct val="100000"/>
-              </a:lnSpc>
-              <a:spcBef>
-                <a:spcPts val="451"/>
-              </a:spcBef>
-              <a:spcAft>
-                <a:spcPts val="451"/>
-              </a:spcAft>
-              <a:buClr>
-                <a:srgbClr val="000000"/>
-              </a:buClr>
-              <a:buSzPct val="45000"/>
-              <a:buFont typeface="Wingdings" charset="2"/>
-              <a:buChar char=""/>
-            </a:pPr>
-            <a:r>
-              <a:rPr b="0" lang="ru-RU" sz="1500" spc="-1" strike="noStrike">
-                <a:solidFill>
-                  <a:srgbClr val="000000"/>
-                </a:solidFill>
-                <a:latin typeface="Open Sans"/>
-                <a:ea typeface="DejaVu Sans"/>
-              </a:rPr>
-              <a:t>Создать проект (Agile/Git) на visualstudio.com</a:t>
-            </a:r>
-            <a:endParaRPr b="0" lang="ru-RU" sz="1500" spc="-1" strike="noStrike">
-              <a:latin typeface="Arial"/>
-            </a:endParaRPr>
-          </a:p>
-          <a:p>
-            <a:pPr marL="216000" indent="-215280">
-              <a:lnSpc>
-                <a:spcPct val="100000"/>
-              </a:lnSpc>
-              <a:spcBef>
-                <a:spcPts val="451"/>
-              </a:spcBef>
-              <a:spcAft>
-                <a:spcPts val="451"/>
-              </a:spcAft>
-              <a:buClr>
-                <a:srgbClr val="000000"/>
-              </a:buClr>
-              <a:buSzPct val="45000"/>
-              <a:buFont typeface="Wingdings" charset="2"/>
-              <a:buChar char=""/>
-            </a:pPr>
-            <a:r>
-              <a:rPr b="0" lang="ru-RU" sz="1500" spc="-1" strike="noStrike">
-                <a:solidFill>
-                  <a:srgbClr val="000000"/>
-                </a:solidFill>
-                <a:latin typeface="Open Sans"/>
-                <a:ea typeface="DejaVu Sans"/>
-              </a:rPr>
-              <a:t>(Для домашних заданий) Установить себе:</a:t>
-            </a:r>
-            <a:endParaRPr b="0" lang="ru-RU" sz="1500" spc="-1" strike="noStrike">
-              <a:latin typeface="Arial"/>
-            </a:endParaRPr>
-          </a:p>
-          <a:p>
-            <a:pPr marL="216000" indent="-215280">
-              <a:lnSpc>
-                <a:spcPct val="100000"/>
-              </a:lnSpc>
-              <a:spcBef>
-                <a:spcPts val="451"/>
-              </a:spcBef>
-              <a:spcAft>
-                <a:spcPts val="451"/>
-              </a:spcAft>
-              <a:buClr>
-                <a:srgbClr val="000000"/>
-              </a:buClr>
-              <a:buFont typeface="StarSymbol"/>
-              <a:buAutoNum type="arabicParenR"/>
-            </a:pPr>
-            <a:r>
-              <a:rPr b="0" lang="ru-RU" sz="1400" spc="-1" strike="noStrike">
-                <a:solidFill>
-                  <a:srgbClr val="000000"/>
-                </a:solidFill>
-                <a:latin typeface="Open Sans"/>
-                <a:ea typeface="DejaVu Sans"/>
-              </a:rPr>
-              <a:t>VS 2017 Community Edition</a:t>
-            </a:r>
-            <a:endParaRPr b="0" lang="ru-RU" sz="1400" spc="-1" strike="noStrike">
-              <a:latin typeface="Arial"/>
-            </a:endParaRPr>
-          </a:p>
-          <a:p>
-            <a:pPr marL="216000" indent="-215280">
-              <a:lnSpc>
-                <a:spcPct val="100000"/>
-              </a:lnSpc>
-              <a:spcBef>
-                <a:spcPts val="451"/>
-              </a:spcBef>
-              <a:spcAft>
-                <a:spcPts val="451"/>
-              </a:spcAft>
-              <a:buClr>
-                <a:srgbClr val="000000"/>
-              </a:buClr>
-              <a:buFont typeface="StarSymbol"/>
-              <a:buAutoNum type="arabicParenR"/>
-            </a:pPr>
-            <a:r>
-              <a:rPr b="0" lang="ru-RU" sz="1400" spc="-1" strike="noStrike">
-                <a:solidFill>
-                  <a:srgbClr val="000000"/>
-                </a:solidFill>
-                <a:latin typeface="Open Sans"/>
-                <a:ea typeface="DejaVu Sans"/>
-              </a:rPr>
-              <a:t>ReSharper и получить на него студенческую лицензию</a:t>
-            </a:r>
-            <a:endParaRPr b="0" lang="ru-RU" sz="1400" spc="-1" strike="noStrike">
-              <a:latin typeface="Arial"/>
-            </a:endParaRPr>
-          </a:p>
-          <a:p>
-            <a:pPr marL="216000" indent="-215280">
-              <a:lnSpc>
-                <a:spcPct val="100000"/>
-              </a:lnSpc>
-              <a:spcBef>
-                <a:spcPts val="451"/>
-              </a:spcBef>
-              <a:spcAft>
-                <a:spcPts val="451"/>
-              </a:spcAft>
-              <a:buClr>
-                <a:srgbClr val="000000"/>
-              </a:buClr>
-              <a:buFont typeface="StarSymbol"/>
-              <a:buAutoNum type="arabicParenR"/>
-            </a:pPr>
-            <a:r>
-              <a:rPr b="0" lang="ru-RU" sz="1400" spc="-1" strike="noStrike">
-                <a:solidFill>
-                  <a:srgbClr val="000000"/>
-                </a:solidFill>
-                <a:latin typeface="Open Sans"/>
-                <a:ea typeface="DejaVu Sans"/>
-              </a:rPr>
-              <a:t>Git Extension</a:t>
-            </a:r>
-            <a:endParaRPr b="0" lang="ru-RU" sz="1400" spc="-1" strike="noStrike">
-              <a:latin typeface="Arial"/>
-            </a:endParaRPr>
-          </a:p>
-          <a:p>
-            <a:pPr marL="216000" indent="-215280">
-              <a:lnSpc>
-                <a:spcPct val="100000"/>
-              </a:lnSpc>
-              <a:spcBef>
-                <a:spcPts val="451"/>
-              </a:spcBef>
-              <a:spcAft>
-                <a:spcPts val="451"/>
-              </a:spcAft>
-              <a:buClr>
-                <a:srgbClr val="000000"/>
-              </a:buClr>
-              <a:buFont typeface="StarSymbol"/>
-              <a:buAutoNum type="arabicParenR"/>
-            </a:pPr>
-            <a:r>
-              <a:rPr b="0" lang="ru-RU" sz="1400" spc="-1" strike="noStrike">
-                <a:solidFill>
-                  <a:srgbClr val="000000"/>
-                </a:solidFill>
-                <a:latin typeface="Open Sans"/>
-                <a:ea typeface="DejaVu Sans"/>
-              </a:rPr>
-              <a:t>Productivity Power Tools (по желанию)</a:t>
-            </a:r>
-            <a:endParaRPr b="0" lang="ru-RU" sz="1400" spc="-1" strike="noStrike">
-              <a:latin typeface="Arial"/>
-            </a:endParaRPr>
-          </a:p>
-          <a:p>
-            <a:pPr marL="216000" indent="-215280">
-              <a:lnSpc>
-                <a:spcPct val="100000"/>
-              </a:lnSpc>
-              <a:spcBef>
-                <a:spcPts val="451"/>
-              </a:spcBef>
-              <a:spcAft>
-                <a:spcPts val="451"/>
-              </a:spcAft>
-              <a:buClr>
-                <a:srgbClr val="000000"/>
-              </a:buClr>
-              <a:buSzPct val="45000"/>
-              <a:buFont typeface="Wingdings" charset="2"/>
-              <a:buChar char=""/>
-            </a:pPr>
-            <a:r>
-              <a:rPr b="0" lang="ru-RU" sz="1500" spc="-1" strike="noStrike">
-                <a:solidFill>
-                  <a:srgbClr val="000000"/>
-                </a:solidFill>
-                <a:latin typeface="Open Sans"/>
-                <a:ea typeface="DejaVu Sans"/>
-              </a:rPr>
-              <a:t>Решить три простые задачи, решения залить в Git:</a:t>
-            </a:r>
-            <a:endParaRPr b="0" lang="ru-RU" sz="1500" spc="-1" strike="noStrike">
-              <a:latin typeface="Arial"/>
-            </a:endParaRPr>
-          </a:p>
-          <a:p>
-            <a:pPr marL="216000" indent="-215280">
-              <a:lnSpc>
-                <a:spcPct val="100000"/>
-              </a:lnSpc>
-              <a:spcBef>
-                <a:spcPts val="451"/>
-              </a:spcBef>
-              <a:spcAft>
-                <a:spcPts val="451"/>
-              </a:spcAft>
-              <a:buClr>
-                <a:srgbClr val="000000"/>
-              </a:buClr>
-              <a:buFont typeface="StarSymbol"/>
-              <a:buAutoNum type="arabicParenR"/>
-            </a:pPr>
-            <a:r>
-              <a:rPr b="0" lang="ru-RU" sz="1400" spc="-1" strike="noStrike">
-                <a:solidFill>
-                  <a:srgbClr val="000000"/>
-                </a:solidFill>
-                <a:latin typeface="Open Sans"/>
-                <a:ea typeface="DejaVu Sans"/>
-              </a:rPr>
-              <a:t>Реализовать связный список: создание, удаление, добавление произвольных элементов, реверс списка - без использования стандартных коллекций/LINQ (только IEnumerable)</a:t>
-            </a:r>
-            <a:endParaRPr b="0" lang="ru-RU" sz="1400" spc="-1" strike="noStrike">
-              <a:latin typeface="Arial"/>
-            </a:endParaRPr>
-          </a:p>
-          <a:p>
-            <a:pPr marL="216000" indent="-215280">
-              <a:lnSpc>
-                <a:spcPct val="100000"/>
-              </a:lnSpc>
-              <a:spcBef>
-                <a:spcPts val="451"/>
-              </a:spcBef>
-              <a:spcAft>
-                <a:spcPts val="451"/>
-              </a:spcAft>
-              <a:buClr>
-                <a:srgbClr val="000000"/>
-              </a:buClr>
-              <a:buFont typeface="StarSymbol"/>
-              <a:buAutoNum type="arabicParenR"/>
-            </a:pPr>
-            <a:r>
-              <a:rPr b="0" lang="ru-RU" sz="1400" spc="-1" strike="noStrike">
-                <a:solidFill>
-                  <a:srgbClr val="000000"/>
-                </a:solidFill>
-                <a:latin typeface="Open Sans"/>
-                <a:ea typeface="DejaVu Sans"/>
-              </a:rPr>
-              <a:t>Реализовать бинарное дерево: заполнение, поиск, удаление элемента - без использования стандартных деревьев</a:t>
-            </a:r>
-            <a:endParaRPr b="0" lang="ru-RU" sz="1400" spc="-1" strike="noStrike">
-              <a:latin typeface="Arial"/>
-            </a:endParaRPr>
-          </a:p>
-          <a:p>
-            <a:pPr marL="216000" indent="-215280">
-              <a:lnSpc>
-                <a:spcPct val="150000"/>
-              </a:lnSpc>
-              <a:buClr>
-                <a:srgbClr val="000000"/>
-              </a:buClr>
-              <a:buFont typeface="StarSymbol"/>
-              <a:buAutoNum type="arabicParenR"/>
-            </a:pPr>
-            <a:r>
-              <a:rPr b="0" lang="ru-RU" sz="1400" spc="-1" strike="noStrike">
-                <a:solidFill>
-                  <a:srgbClr val="000000"/>
-                </a:solidFill>
-                <a:latin typeface="Open Sans"/>
-                <a:ea typeface="DejaVu Sans"/>
-              </a:rPr>
-              <a:t>Реализовать сортировку вставками - без .OrderBy() :)</a:t>
-            </a:r>
-            <a:endParaRPr b="0" lang="ru-RU" sz="1400" spc="-1" strike="noStrike">
               <a:latin typeface="Arial"/>
             </a:endParaRPr>
           </a:p>
@@ -3630,131 +3301,14 @@
       </p:sp>
     </p:spTree>
   </p:cSld>
-  <p:timing>
-    <p:tnLst>
-      <p:par>
-        <p:cTn id="25" dur="indefinite" restart="never" nodeType="tmRoot">
-          <p:childTnLst>
-            <p:seq>
-              <p:cTn id="26" dur="indefinite" nodeType="mainSeq"/>
-              <p:prevCondLst>
-                <p:cond delay="0" evt="onPrev">
-                  <p:tgtEl>
-                    <p:sldTgt/>
-                  </p:tgtEl>
-                </p:cond>
-              </p:prevCondLst>
-              <p:nextCondLst>
-                <p:cond delay="0" evt="onNext">
-                  <p:tgtEl>
-                    <p:sldTgt/>
-                  </p:tgtEl>
-                </p:cond>
-              </p:nextCondLst>
-            </p:seq>
-          </p:childTnLst>
-        </p:cTn>
-      </p:par>
-    </p:tnLst>
-  </p:timing>
-</p:sld>
-</file>
-
-<file path=ppt/slides/slide14.xml><?xml version="1.0" encoding="utf-8"?>
-<p:sld xmlns:a="http://schemas.openxmlformats.org/drawingml/2006/main" xmlns:p="http://schemas.openxmlformats.org/presentationml/2006/main" xmlns:r="http://schemas.openxmlformats.org/officeDocument/2006/relationships" xmlns:p14="http://schemas.microsoft.com/office/powerpoint/2010/main" xmlns:p15="http://schemas.microsoft.com/office/powerpoint/2012/main" xmlns:mc="http://schemas.openxmlformats.org/markup-compatibility/2006">
-  <p:cSld>
-    <p:spTree>
-      <p:nvGrpSpPr>
-        <p:cNvPr id="1" name=""/>
-        <p:cNvGrpSpPr/>
-        <p:nvPr/>
-      </p:nvGrpSpPr>
-      <p:grpSpPr>
-        <a:xfrm>
-          <a:off x="0" y="0"/>
-          <a:ext cx="0" cy="0"/>
-          <a:chOff x="0" y="0"/>
-          <a:chExt cx="0" cy="0"/>
-        </a:xfrm>
-      </p:grpSpPr>
-      <p:sp>
-        <p:nvSpPr>
-          <p:cNvPr id="79" name="CustomShape 1"/>
-          <p:cNvSpPr/>
-          <p:nvPr/>
-        </p:nvSpPr>
-        <p:spPr>
-          <a:xfrm>
-            <a:off x="576000" y="1800000"/>
-            <a:ext cx="10797120" cy="1260720"/>
-          </a:xfrm>
-          <a:prstGeom prst="rect">
-            <a:avLst/>
-          </a:prstGeom>
-          <a:noFill/>
-          <a:ln>
-            <a:noFill/>
-          </a:ln>
-        </p:spPr>
-        <p:style>
-          <a:lnRef idx="0"/>
-          <a:fillRef idx="0"/>
-          <a:effectRef idx="0"/>
-          <a:fontRef idx="minor"/>
-        </p:style>
-        <p:txBody>
-          <a:bodyPr lIns="0" rIns="0" tIns="0" bIns="0" anchor="ctr"/>
-          <a:p>
-            <a:pPr algn="ctr">
-              <a:lnSpc>
-                <a:spcPct val="100000"/>
-              </a:lnSpc>
-            </a:pPr>
-            <a:r>
-              <a:rPr b="0" lang="ru-RU" sz="4400" spc="-1" strike="noStrike">
-                <a:solidFill>
-                  <a:srgbClr val="000000"/>
-                </a:solidFill>
-                <a:latin typeface="Arial"/>
-                <a:ea typeface="DejaVu Sans"/>
-              </a:rPr>
-              <a:t>Спасибо за внимание!</a:t>
-            </a:r>
-            <a:endParaRPr b="0" lang="ru-RU" sz="4400" spc="-1" strike="noStrike">
-              <a:latin typeface="Arial"/>
-            </a:endParaRPr>
-          </a:p>
-        </p:txBody>
-      </p:sp>
-    </p:spTree>
-  </p:cSld>
-  <p:timing>
-    <p:tnLst>
-      <p:par>
-        <p:cTn id="27" dur="indefinite" restart="never" nodeType="tmRoot">
-          <p:childTnLst>
-            <p:seq>
-              <p:cTn id="28" dur="indefinite" nodeType="mainSeq"/>
-              <p:prevCondLst>
-                <p:cond delay="0" evt="onPrev">
-                  <p:tgtEl>
-                    <p:sldTgt/>
-                  </p:tgtEl>
-                </p:cond>
-              </p:prevCondLst>
-              <p:nextCondLst>
-                <p:cond delay="0" evt="onNext">
-                  <p:tgtEl>
-                    <p:sldTgt/>
-                  </p:tgtEl>
-                </p:cond>
-              </p:nextCondLst>
-            </p:seq>
-          </p:childTnLst>
-        </p:cTn>
-      </p:par>
-    </p:tnLst>
-  </p:timing>
+  <mc:AlternateContent>
+    <mc:Choice Requires="p14">
+      <p:transition spd="slow" p14:dur="2000"/>
+    </mc:Choice>
+    <mc:Fallback>
+      <p:transition spd="slow"/>
+    </mc:Fallback>
+  </mc:AlternateContent>
 </p:sld>
 </file>
 
@@ -3784,7 +3338,7 @@
         <p:spPr>
           <a:xfrm>
             <a:off x="521280" y="921600"/>
-            <a:ext cx="6800400" cy="4123440"/>
+            <a:ext cx="6800040" cy="4550400"/>
           </a:xfrm>
           <a:prstGeom prst="rect">
             <a:avLst/>
@@ -3801,9 +3355,11 @@
           <a:fontRef idx="minor"/>
         </p:style>
         <p:txBody>
-          <a:bodyPr lIns="90000" rIns="90000" tIns="45000" bIns="45000"/>
-          <a:p>
-            <a:pPr marL="216000" indent="-215280">
+          <a:bodyPr lIns="90000" rIns="90000" tIns="45000" bIns="45000">
+            <a:noAutofit/>
+          </a:bodyPr>
+          <a:p>
+            <a:pPr marL="216000" indent="-214920">
               <a:lnSpc>
                 <a:spcPct val="150000"/>
               </a:lnSpc>
@@ -3835,7 +3391,7 @@
             </a:endParaRPr>
           </a:p>
           <a:p>
-            <a:pPr marL="216000" indent="-215280">
+            <a:pPr marL="216000" indent="-214920">
               <a:lnSpc>
                 <a:spcPct val="150000"/>
               </a:lnSpc>
@@ -3867,7 +3423,7 @@
             </a:endParaRPr>
           </a:p>
           <a:p>
-            <a:pPr marL="216000" indent="-215280">
+            <a:pPr marL="216000" indent="-214920">
               <a:lnSpc>
                 <a:spcPct val="150000"/>
               </a:lnSpc>
@@ -3899,7 +3455,7 @@
             </a:endParaRPr>
           </a:p>
           <a:p>
-            <a:pPr marL="216000" indent="-215280">
+            <a:pPr marL="216000" indent="-214920">
               <a:lnSpc>
                 <a:spcPct val="150000"/>
               </a:lnSpc>
@@ -3931,7 +3487,7 @@
             </a:endParaRPr>
           </a:p>
           <a:p>
-            <a:pPr marL="216000" indent="-215280">
+            <a:pPr marL="216000" indent="-214920">
               <a:lnSpc>
                 <a:spcPct val="150000"/>
               </a:lnSpc>
@@ -3973,7 +3529,7 @@
             </a:endParaRPr>
           </a:p>
           <a:p>
-            <a:pPr marL="216000" indent="-215280">
+            <a:pPr marL="216000" indent="-214920">
               <a:lnSpc>
                 <a:spcPct val="150000"/>
               </a:lnSpc>
@@ -4015,7 +3571,7 @@
             </a:endParaRPr>
           </a:p>
           <a:p>
-            <a:pPr marL="216000" indent="-215280">
+            <a:pPr marL="216000" indent="-214920">
               <a:lnSpc>
                 <a:spcPct val="150000"/>
               </a:lnSpc>
@@ -4038,26 +3594,16 @@
                   <a:srgbClr val="000000"/>
                 </a:solidFill>
                 <a:latin typeface="Open Sans"/>
-                <a:ea typeface="Microsoft YaHei"/>
-              </a:rPr>
-              <a:t>Много языков –</a:t>
-            </a:r>
-            <a:r>
-              <a:rPr b="0" lang="ru-RU" sz="1500" spc="-1" strike="noStrike">
-                <a:solidFill>
-                  <a:srgbClr val="000000"/>
-                </a:solidFill>
-                <a:latin typeface="Open Sans"/>
-                <a:ea typeface="DejaVu Sans"/>
-              </a:rPr>
-              <a:t> один CLR (Common Language Runtime)</a:t>
+                <a:ea typeface="DejaVu Sans"/>
+              </a:rPr>
+              <a:t>Dotnet 5 - 2020</a:t>
             </a:r>
             <a:endParaRPr b="0" lang="ru-RU" sz="1500" spc="-1" strike="noStrike">
               <a:latin typeface="Arial"/>
             </a:endParaRPr>
           </a:p>
           <a:p>
-            <a:pPr marL="216000" indent="-215280">
+            <a:pPr marL="216000" indent="-214920">
               <a:lnSpc>
                 <a:spcPct val="150000"/>
               </a:lnSpc>
@@ -4080,19 +3626,35 @@
                   <a:srgbClr val="000000"/>
                 </a:solidFill>
                 <a:latin typeface="Open Sans"/>
-                <a:ea typeface="DejaVu Sans"/>
-              </a:rPr>
-              <a:t>CIL (Common Intermediate Language) – ECMA-335</a:t>
+                <a:ea typeface="Microsoft YaHei"/>
+              </a:rPr>
+              <a:t>Много языков –</a:t>
+            </a:r>
+            <a:r>
+              <a:rPr b="0" lang="ru-RU" sz="1500" spc="-1" strike="noStrike">
+                <a:solidFill>
+                  <a:srgbClr val="000000"/>
+                </a:solidFill>
+                <a:latin typeface="Open Sans"/>
+                <a:ea typeface="DejaVu Sans"/>
+              </a:rPr>
+              <a:t> один CLR (Common Language Runtime)</a:t>
             </a:r>
             <a:endParaRPr b="0" lang="ru-RU" sz="1500" spc="-1" strike="noStrike">
               <a:latin typeface="Arial"/>
             </a:endParaRPr>
           </a:p>
           <a:p>
-            <a:pPr marL="216000" indent="-215280">
+            <a:pPr marL="216000" indent="-214920">
               <a:lnSpc>
                 <a:spcPct val="150000"/>
               </a:lnSpc>
+              <a:spcBef>
+                <a:spcPts val="451"/>
+              </a:spcBef>
+              <a:spcAft>
+                <a:spcPts val="451"/>
+              </a:spcAft>
               <a:buClr>
                 <a:srgbClr val="000000"/>
               </a:buClr>
@@ -4108,6 +3670,32 @@
                 <a:latin typeface="Open Sans"/>
                 <a:ea typeface="DejaVu Sans"/>
               </a:rPr>
+              <a:t>CIL (Common Intermediate Language) – ECMA-335</a:t>
+            </a:r>
+            <a:endParaRPr b="0" lang="ru-RU" sz="1500" spc="-1" strike="noStrike">
+              <a:latin typeface="Arial"/>
+            </a:endParaRPr>
+          </a:p>
+          <a:p>
+            <a:pPr marL="216000" indent="-214920">
+              <a:lnSpc>
+                <a:spcPct val="150000"/>
+              </a:lnSpc>
+              <a:buClr>
+                <a:srgbClr val="000000"/>
+              </a:buClr>
+              <a:buSzPct val="45000"/>
+              <a:buFont typeface="Wingdings" charset="2"/>
+              <a:buChar char=""/>
+            </a:pPr>
+            <a:r>
+              <a:rPr b="0" lang="ru-RU" sz="1500" spc="-1" strike="noStrike">
+                <a:solidFill>
+                  <a:srgbClr val="000000"/>
+                </a:solidFill>
+                <a:latin typeface="Open Sans"/>
+                <a:ea typeface="DejaVu Sans"/>
+              </a:rPr>
               <a:t>C# - ECMA-334</a:t>
             </a:r>
             <a:endParaRPr b="0" lang="ru-RU" sz="1500" spc="-1" strike="noStrike">
@@ -4125,7 +3713,7 @@
         <p:spPr>
           <a:xfrm>
             <a:off x="578160" y="34560"/>
-            <a:ext cx="10797120" cy="1260720"/>
+            <a:ext cx="10796760" cy="1260360"/>
           </a:xfrm>
           <a:prstGeom prst="rect">
             <a:avLst/>
@@ -4142,7 +3730,9 @@
           <a:fontRef idx="minor"/>
         </p:style>
         <p:txBody>
-          <a:bodyPr lIns="0" rIns="0" tIns="0" bIns="0" anchor="ctr"/>
+          <a:bodyPr lIns="0" rIns="0" tIns="0" bIns="0" anchor="ctr">
+            <a:noAutofit/>
+          </a:bodyPr>
           <a:p>
             <a:pPr algn="ctr">
               <a:lnSpc>
@@ -4174,7 +3764,7 @@
         <p:spPr>
           <a:xfrm>
             <a:off x="360000" y="5400000"/>
-            <a:ext cx="10797120" cy="1260720"/>
+            <a:ext cx="10796760" cy="1260360"/>
           </a:xfrm>
           <a:prstGeom prst="rect">
             <a:avLst/>
@@ -4191,8 +3781,15 @@
           <a:fontRef idx="minor"/>
         </p:style>
         <p:txBody>
-          <a:bodyPr lIns="0" rIns="0" tIns="0" bIns="0" anchor="ctr"/>
-          <a:p>
+          <a:bodyPr lIns="0" rIns="0" tIns="0" bIns="0" anchor="ctr">
+            <a:noAutofit/>
+          </a:bodyPr>
+          <a:p>
+            <a:pPr>
+              <a:lnSpc>
+                <a:spcPct val="100000"/>
+              </a:lnSpc>
+            </a:pPr>
             <a:r>
               <a:rPr b="0" lang="ru-RU" sz="2800" spc="-1" strike="noStrike">
                 <a:solidFill>
@@ -4211,33 +3808,14 @@
       </p:sp>
     </p:spTree>
   </p:cSld>
-  <p:timing>
-    <p:tnLst>
-      <p:par>
-        <p:cTn id="3" dur="indefinite" restart="never" nodeType="tmRoot">
-          <p:childTnLst>
-            <p:seq>
-              <p:cTn id="4" dur="indefinite" nodeType="mainSeq"/>
-              <p:prevCondLst>
-                <p:cond delay="0" evt="onPrev">
-                  <p:tgtEl>
-                    <p:sldTgt/>
-                  </p:tgtEl>
-                </p:cond>
-              </p:prevCondLst>
-              <p:nextCondLst>
-                <p:cond delay="0" evt="onNext">
-                  <p:tgtEl>
-                    <p:sldTgt/>
-                  </p:tgtEl>
-                </p:cond>
-              </p:nextCondLst>
-            </p:seq>
-          </p:childTnLst>
-        </p:cTn>
-      </p:par>
-    </p:tnLst>
-  </p:timing>
+  <mc:AlternateContent>
+    <mc:Choice Requires="p14">
+      <p:transition spd="slow" p14:dur="2000"/>
+    </mc:Choice>
+    <mc:Fallback>
+      <p:transition spd="slow"/>
+    </mc:Fallback>
+  </mc:AlternateContent>
 </p:sld>
 </file>
 
@@ -4267,7 +3845,7 @@
         <p:spPr>
           <a:xfrm>
             <a:off x="578160" y="34560"/>
-            <a:ext cx="10797120" cy="1260720"/>
+            <a:ext cx="10796760" cy="1260360"/>
           </a:xfrm>
           <a:prstGeom prst="rect">
             <a:avLst/>
@@ -4284,7 +3862,9 @@
           <a:fontRef idx="minor"/>
         </p:style>
         <p:txBody>
-          <a:bodyPr lIns="0" rIns="0" tIns="0" bIns="0" anchor="ctr"/>
+          <a:bodyPr lIns="0" rIns="0" tIns="0" bIns="0" anchor="ctr">
+            <a:noAutofit/>
+          </a:bodyPr>
           <a:p>
             <a:pPr algn="ctr">
               <a:lnSpc>
@@ -4316,7 +3896,7 @@
         <p:spPr>
           <a:xfrm>
             <a:off x="521280" y="921600"/>
-            <a:ext cx="6800400" cy="3757320"/>
+            <a:ext cx="6800040" cy="3756960"/>
           </a:xfrm>
           <a:prstGeom prst="rect">
             <a:avLst/>
@@ -4333,9 +3913,11 @@
           <a:fontRef idx="minor"/>
         </p:style>
         <p:txBody>
-          <a:bodyPr lIns="90000" rIns="90000" tIns="45000" bIns="45000"/>
-          <a:p>
-            <a:pPr marL="216000" indent="-215280">
+          <a:bodyPr lIns="90000" rIns="90000" tIns="45000" bIns="45000">
+            <a:noAutofit/>
+          </a:bodyPr>
+          <a:p>
+            <a:pPr marL="216000" indent="-214920">
               <a:lnSpc>
                 <a:spcPct val="100000"/>
               </a:lnSpc>
@@ -4367,7 +3949,7 @@
             </a:endParaRPr>
           </a:p>
           <a:p>
-            <a:pPr marL="216000" indent="-215280">
+            <a:pPr marL="216000" indent="-214920">
               <a:lnSpc>
                 <a:spcPct val="100000"/>
               </a:lnSpc>
@@ -4399,7 +3981,7 @@
             </a:endParaRPr>
           </a:p>
           <a:p>
-            <a:pPr marL="216000" indent="-215280">
+            <a:pPr marL="216000" indent="-214920">
               <a:lnSpc>
                 <a:spcPct val="100000"/>
               </a:lnSpc>
@@ -4431,7 +4013,7 @@
             </a:endParaRPr>
           </a:p>
           <a:p>
-            <a:pPr marL="216000" indent="-215280">
+            <a:pPr marL="216000" indent="-214920">
               <a:lnSpc>
                 <a:spcPct val="100000"/>
               </a:lnSpc>
@@ -4463,7 +4045,7 @@
             </a:endParaRPr>
           </a:p>
           <a:p>
-            <a:pPr marL="216000" indent="-215280">
+            <a:pPr marL="216000" indent="-214920">
               <a:lnSpc>
                 <a:spcPct val="100000"/>
               </a:lnSpc>
@@ -4495,7 +4077,7 @@
             </a:endParaRPr>
           </a:p>
           <a:p>
-            <a:pPr marL="216000" indent="-215280">
+            <a:pPr marL="216000" indent="-214920">
               <a:lnSpc>
                 <a:spcPct val="100000"/>
               </a:lnSpc>
@@ -4527,7 +4109,7 @@
             </a:endParaRPr>
           </a:p>
           <a:p>
-            <a:pPr marL="216000" indent="-215280">
+            <a:pPr marL="216000" indent="-214920">
               <a:lnSpc>
                 <a:spcPct val="100000"/>
               </a:lnSpc>
@@ -4559,7 +4141,7 @@
             </a:endParaRPr>
           </a:p>
           <a:p>
-            <a:pPr marL="216000" indent="-215280">
+            <a:pPr marL="216000" indent="-214920">
               <a:lnSpc>
                 <a:spcPct val="100000"/>
               </a:lnSpc>
@@ -4591,7 +4173,7 @@
             </a:endParaRPr>
           </a:p>
           <a:p>
-            <a:pPr marL="216000" indent="-215280">
+            <a:pPr marL="216000" indent="-214920">
               <a:lnSpc>
                 <a:spcPct val="150000"/>
               </a:lnSpc>
@@ -4633,7 +4215,7 @@
         <p:spPr>
           <a:xfrm>
             <a:off x="360000" y="5400000"/>
-            <a:ext cx="10797120" cy="1260720"/>
+            <a:ext cx="10796760" cy="1260360"/>
           </a:xfrm>
           <a:prstGeom prst="rect">
             <a:avLst/>
@@ -4650,8 +4232,15 @@
           <a:fontRef idx="minor"/>
         </p:style>
         <p:txBody>
-          <a:bodyPr lIns="0" rIns="0" tIns="0" bIns="0" anchor="ctr"/>
-          <a:p>
+          <a:bodyPr lIns="0" rIns="0" tIns="0" bIns="0" anchor="ctr">
+            <a:noAutofit/>
+          </a:bodyPr>
+          <a:p>
+            <a:pPr>
+              <a:lnSpc>
+                <a:spcPct val="100000"/>
+              </a:lnSpc>
+            </a:pPr>
             <a:r>
               <a:rPr b="0" lang="ru-RU" sz="2800" spc="-1" strike="noStrike">
                 <a:solidFill>
@@ -4670,33 +4259,14 @@
       </p:sp>
     </p:spTree>
   </p:cSld>
-  <p:timing>
-    <p:tnLst>
-      <p:par>
-        <p:cTn id="5" dur="indefinite" restart="never" nodeType="tmRoot">
-          <p:childTnLst>
-            <p:seq>
-              <p:cTn id="6" dur="indefinite" nodeType="mainSeq"/>
-              <p:prevCondLst>
-                <p:cond delay="0" evt="onPrev">
-                  <p:tgtEl>
-                    <p:sldTgt/>
-                  </p:tgtEl>
-                </p:cond>
-              </p:prevCondLst>
-              <p:nextCondLst>
-                <p:cond delay="0" evt="onNext">
-                  <p:tgtEl>
-                    <p:sldTgt/>
-                  </p:tgtEl>
-                </p:cond>
-              </p:nextCondLst>
-            </p:seq>
-          </p:childTnLst>
-        </p:cTn>
-      </p:par>
-    </p:tnLst>
-  </p:timing>
+  <mc:AlternateContent>
+    <mc:Choice Requires="p14">
+      <p:transition spd="slow" p14:dur="2000"/>
+    </mc:Choice>
+    <mc:Fallback>
+      <p:transition spd="slow"/>
+    </mc:Fallback>
+  </mc:AlternateContent>
 </p:sld>
 </file>
 
@@ -4726,7 +4296,7 @@
         <p:spPr>
           <a:xfrm>
             <a:off x="578160" y="34560"/>
-            <a:ext cx="10797120" cy="1260720"/>
+            <a:ext cx="10796760" cy="1260360"/>
           </a:xfrm>
           <a:prstGeom prst="rect">
             <a:avLst/>
@@ -4743,7 +4313,9 @@
           <a:fontRef idx="minor"/>
         </p:style>
         <p:txBody>
-          <a:bodyPr lIns="0" rIns="0" tIns="0" bIns="0" anchor="ctr"/>
+          <a:bodyPr lIns="0" rIns="0" tIns="0" bIns="0" anchor="ctr">
+            <a:noAutofit/>
+          </a:bodyPr>
           <a:p>
             <a:pPr algn="ctr">
               <a:lnSpc>
@@ -4775,7 +4347,7 @@
         <p:spPr>
           <a:xfrm>
             <a:off x="616680" y="1224720"/>
-            <a:ext cx="6800400" cy="3122280"/>
+            <a:ext cx="6800040" cy="3121920"/>
           </a:xfrm>
           <a:prstGeom prst="rect">
             <a:avLst/>
@@ -4792,9 +4364,11 @@
           <a:fontRef idx="minor"/>
         </p:style>
         <p:txBody>
-          <a:bodyPr lIns="90000" rIns="90000" tIns="45000" bIns="45000"/>
-          <a:p>
-            <a:pPr marL="216000" indent="-215280">
+          <a:bodyPr lIns="90000" rIns="90000" tIns="45000" bIns="45000">
+            <a:noAutofit/>
+          </a:bodyPr>
+          <a:p>
+            <a:pPr marL="216000" indent="-214920">
               <a:lnSpc>
                 <a:spcPct val="100000"/>
               </a:lnSpc>
@@ -4826,7 +4400,7 @@
             </a:endParaRPr>
           </a:p>
           <a:p>
-            <a:pPr marL="216000" indent="-215280">
+            <a:pPr marL="216000" indent="-214920">
               <a:lnSpc>
                 <a:spcPct val="100000"/>
               </a:lnSpc>
@@ -4858,7 +4432,7 @@
             </a:endParaRPr>
           </a:p>
           <a:p>
-            <a:pPr marL="216000" indent="-215280">
+            <a:pPr marL="216000" indent="-214920">
               <a:lnSpc>
                 <a:spcPct val="100000"/>
               </a:lnSpc>
@@ -4890,7 +4464,7 @@
             </a:endParaRPr>
           </a:p>
           <a:p>
-            <a:pPr marL="216000" indent="-215280">
+            <a:pPr marL="216000" indent="-214920">
               <a:lnSpc>
                 <a:spcPct val="100000"/>
               </a:lnSpc>
@@ -4922,7 +4496,7 @@
             </a:endParaRPr>
           </a:p>
           <a:p>
-            <a:pPr marL="216000" indent="-215280">
+            <a:pPr marL="216000" indent="-214920">
               <a:lnSpc>
                 <a:spcPct val="100000"/>
               </a:lnSpc>
@@ -4954,7 +4528,7 @@
             </a:endParaRPr>
           </a:p>
           <a:p>
-            <a:pPr marL="216000" indent="-215280">
+            <a:pPr marL="216000" indent="-214920">
               <a:lnSpc>
                 <a:spcPct val="100000"/>
               </a:lnSpc>
@@ -4986,7 +4560,7 @@
             </a:endParaRPr>
           </a:p>
           <a:p>
-            <a:pPr marL="216000" indent="-215280">
+            <a:pPr marL="216000" indent="-214920">
               <a:lnSpc>
                 <a:spcPct val="100000"/>
               </a:lnSpc>
@@ -5018,7 +4592,7 @@
             </a:endParaRPr>
           </a:p>
           <a:p>
-            <a:pPr marL="216000" indent="-215280">
+            <a:pPr marL="216000" indent="-214920">
               <a:lnSpc>
                 <a:spcPct val="100000"/>
               </a:lnSpc>
@@ -5050,7 +4624,7 @@
             </a:endParaRPr>
           </a:p>
           <a:p>
-            <a:pPr marL="216000" indent="-215280">
+            <a:pPr marL="216000" indent="-214920">
               <a:lnSpc>
                 <a:spcPct val="100000"/>
               </a:lnSpc>
@@ -5092,7 +4666,7 @@
         <p:spPr>
           <a:xfrm>
             <a:off x="360000" y="5400000"/>
-            <a:ext cx="10797120" cy="1260720"/>
+            <a:ext cx="10796760" cy="1260360"/>
           </a:xfrm>
           <a:prstGeom prst="rect">
             <a:avLst/>
@@ -5109,8 +4683,15 @@
           <a:fontRef idx="minor"/>
         </p:style>
         <p:txBody>
-          <a:bodyPr lIns="0" rIns="0" tIns="0" bIns="0" anchor="ctr"/>
-          <a:p>
+          <a:bodyPr lIns="0" rIns="0" tIns="0" bIns="0" anchor="ctr">
+            <a:noAutofit/>
+          </a:bodyPr>
+          <a:p>
+            <a:pPr>
+              <a:lnSpc>
+                <a:spcPct val="100000"/>
+              </a:lnSpc>
+            </a:pPr>
             <a:r>
               <a:rPr b="0" lang="ru-RU" sz="2800" spc="-1" strike="noStrike">
                 <a:solidFill>
@@ -5129,33 +4710,14 @@
       </p:sp>
     </p:spTree>
   </p:cSld>
-  <p:timing>
-    <p:tnLst>
-      <p:par>
-        <p:cTn id="7" dur="indefinite" restart="never" nodeType="tmRoot">
-          <p:childTnLst>
-            <p:seq>
-              <p:cTn id="8" dur="indefinite" nodeType="mainSeq"/>
-              <p:prevCondLst>
-                <p:cond delay="0" evt="onPrev">
-                  <p:tgtEl>
-                    <p:sldTgt/>
-                  </p:tgtEl>
-                </p:cond>
-              </p:prevCondLst>
-              <p:nextCondLst>
-                <p:cond delay="0" evt="onNext">
-                  <p:tgtEl>
-                    <p:sldTgt/>
-                  </p:tgtEl>
-                </p:cond>
-              </p:nextCondLst>
-            </p:seq>
-          </p:childTnLst>
-        </p:cTn>
-      </p:par>
-    </p:tnLst>
-  </p:timing>
+  <mc:AlternateContent>
+    <mc:Choice Requires="p14">
+      <p:transition spd="slow" p14:dur="2000"/>
+    </mc:Choice>
+    <mc:Fallback>
+      <p:transition spd="slow"/>
+    </mc:Fallback>
+  </mc:AlternateContent>
 </p:sld>
 </file>
 
@@ -5185,7 +4747,7 @@
         <p:spPr>
           <a:xfrm>
             <a:off x="578160" y="34560"/>
-            <a:ext cx="10797120" cy="1260720"/>
+            <a:ext cx="10796760" cy="1260360"/>
           </a:xfrm>
           <a:prstGeom prst="rect">
             <a:avLst/>
@@ -5202,7 +4764,9 @@
           <a:fontRef idx="minor"/>
         </p:style>
         <p:txBody>
-          <a:bodyPr lIns="0" rIns="0" tIns="0" bIns="0" anchor="ctr"/>
+          <a:bodyPr lIns="0" rIns="0" tIns="0" bIns="0" anchor="ctr">
+            <a:noAutofit/>
+          </a:bodyPr>
           <a:p>
             <a:pPr algn="ctr">
               <a:lnSpc>
@@ -5234,7 +4798,7 @@
         <p:spPr>
           <a:xfrm>
             <a:off x="578160" y="794520"/>
-            <a:ext cx="6800400" cy="4108320"/>
+            <a:ext cx="6800040" cy="4107960"/>
           </a:xfrm>
           <a:prstGeom prst="rect">
             <a:avLst/>
@@ -5251,9 +4815,11 @@
           <a:fontRef idx="minor"/>
         </p:style>
         <p:txBody>
-          <a:bodyPr lIns="90000" rIns="90000" tIns="45000" bIns="45000"/>
-          <a:p>
-            <a:pPr marL="216000" indent="-215280">
+          <a:bodyPr lIns="90000" rIns="90000" tIns="45000" bIns="45000">
+            <a:noAutofit/>
+          </a:bodyPr>
+          <a:p>
+            <a:pPr marL="216000" indent="-214920">
               <a:lnSpc>
                 <a:spcPct val="100000"/>
               </a:lnSpc>
@@ -5363,7 +4929,7 @@
             </a:endParaRPr>
           </a:p>
           <a:p>
-            <a:pPr marL="216000" indent="-215280">
+            <a:pPr marL="216000" indent="-214920">
               <a:lnSpc>
                 <a:spcPct val="100000"/>
               </a:lnSpc>
@@ -5447,7 +5013,7 @@
             </a:endParaRPr>
           </a:p>
           <a:p>
-            <a:pPr marL="216000" indent="-215280">
+            <a:pPr marL="216000" indent="-214920">
               <a:lnSpc>
                 <a:spcPct val="100000"/>
               </a:lnSpc>
@@ -5531,7 +5097,7 @@
             </a:endParaRPr>
           </a:p>
           <a:p>
-            <a:pPr marL="216000" indent="-215280">
+            <a:pPr marL="216000" indent="-214920">
               <a:lnSpc>
                 <a:spcPct val="100000"/>
               </a:lnSpc>
@@ -5625,7 +5191,7 @@
         <p:spPr>
           <a:xfrm>
             <a:off x="360000" y="5400000"/>
-            <a:ext cx="10797120" cy="1260720"/>
+            <a:ext cx="10796760" cy="1260360"/>
           </a:xfrm>
           <a:prstGeom prst="rect">
             <a:avLst/>
@@ -5642,8 +5208,15 @@
           <a:fontRef idx="minor"/>
         </p:style>
         <p:txBody>
-          <a:bodyPr lIns="0" rIns="0" tIns="0" bIns="0" anchor="ctr"/>
-          <a:p>
+          <a:bodyPr lIns="0" rIns="0" tIns="0" bIns="0" anchor="ctr">
+            <a:noAutofit/>
+          </a:bodyPr>
+          <a:p>
+            <a:pPr>
+              <a:lnSpc>
+                <a:spcPct val="100000"/>
+              </a:lnSpc>
+            </a:pPr>
             <a:r>
               <a:rPr b="0" lang="ru-RU" sz="2800" spc="-1" strike="noStrike">
                 <a:solidFill>
@@ -5662,33 +5235,14 @@
       </p:sp>
     </p:spTree>
   </p:cSld>
-  <p:timing>
-    <p:tnLst>
-      <p:par>
-        <p:cTn id="9" dur="indefinite" restart="never" nodeType="tmRoot">
-          <p:childTnLst>
-            <p:seq>
-              <p:cTn id="10" dur="indefinite" nodeType="mainSeq"/>
-              <p:prevCondLst>
-                <p:cond delay="0" evt="onPrev">
-                  <p:tgtEl>
-                    <p:sldTgt/>
-                  </p:tgtEl>
-                </p:cond>
-              </p:prevCondLst>
-              <p:nextCondLst>
-                <p:cond delay="0" evt="onNext">
-                  <p:tgtEl>
-                    <p:sldTgt/>
-                  </p:tgtEl>
-                </p:cond>
-              </p:nextCondLst>
-            </p:seq>
-          </p:childTnLst>
-        </p:cTn>
-      </p:par>
-    </p:tnLst>
-  </p:timing>
+  <mc:AlternateContent>
+    <mc:Choice Requires="p14">
+      <p:transition spd="slow" p14:dur="2000"/>
+    </mc:Choice>
+    <mc:Fallback>
+      <p:transition spd="slow"/>
+    </mc:Fallback>
+  </mc:AlternateContent>
 </p:sld>
 </file>
 
@@ -5718,7 +5272,7 @@
         <p:spPr>
           <a:xfrm>
             <a:off x="578160" y="34560"/>
-            <a:ext cx="10797120" cy="1260720"/>
+            <a:ext cx="10796760" cy="1260360"/>
           </a:xfrm>
           <a:prstGeom prst="rect">
             <a:avLst/>
@@ -5735,7 +5289,9 @@
           <a:fontRef idx="minor"/>
         </p:style>
         <p:txBody>
-          <a:bodyPr lIns="0" rIns="0" tIns="0" bIns="0" anchor="ctr"/>
+          <a:bodyPr lIns="0" rIns="0" tIns="0" bIns="0" anchor="ctr">
+            <a:noAutofit/>
+          </a:bodyPr>
           <a:p>
             <a:pPr algn="ctr">
               <a:lnSpc>
@@ -5767,7 +5323,7 @@
         <p:spPr>
           <a:xfrm>
             <a:off x="578160" y="1368000"/>
-            <a:ext cx="6800400" cy="1943280"/>
+            <a:ext cx="6800040" cy="1942920"/>
           </a:xfrm>
           <a:prstGeom prst="rect">
             <a:avLst/>
@@ -5784,9 +5340,11 @@
           <a:fontRef idx="minor"/>
         </p:style>
         <p:txBody>
-          <a:bodyPr lIns="90000" rIns="90000" tIns="45000" bIns="45000"/>
-          <a:p>
-            <a:pPr marL="216000" indent="-215280">
+          <a:bodyPr lIns="90000" rIns="90000" tIns="45000" bIns="45000">
+            <a:noAutofit/>
+          </a:bodyPr>
+          <a:p>
+            <a:pPr marL="216000" indent="-214920">
               <a:lnSpc>
                 <a:spcPct val="100000"/>
               </a:lnSpc>
@@ -5818,7 +5376,7 @@
             </a:endParaRPr>
           </a:p>
           <a:p>
-            <a:pPr marL="216000" indent="-215280">
+            <a:pPr marL="216000" indent="-214920">
               <a:lnSpc>
                 <a:spcPct val="100000"/>
               </a:lnSpc>
@@ -5850,7 +5408,7 @@
             </a:endParaRPr>
           </a:p>
           <a:p>
-            <a:pPr marL="216000" indent="-215280">
+            <a:pPr marL="216000" indent="-214920">
               <a:lnSpc>
                 <a:spcPct val="100000"/>
               </a:lnSpc>
@@ -5882,7 +5440,7 @@
             </a:endParaRPr>
           </a:p>
           <a:p>
-            <a:pPr marL="216000" indent="-215280">
+            <a:pPr marL="216000" indent="-214920">
               <a:lnSpc>
                 <a:spcPct val="100000"/>
               </a:lnSpc>
@@ -5914,7 +5472,7 @@
             </a:endParaRPr>
           </a:p>
           <a:p>
-            <a:pPr marL="216000" indent="-215280">
+            <a:pPr marL="216000" indent="-214920">
               <a:lnSpc>
                 <a:spcPct val="100000"/>
               </a:lnSpc>
@@ -5946,7 +5504,7 @@
             </a:endParaRPr>
           </a:p>
           <a:p>
-            <a:pPr marL="216000" indent="-215280">
+            <a:pPr marL="216000" indent="-214920">
               <a:lnSpc>
                 <a:spcPct val="100000"/>
               </a:lnSpc>
@@ -5988,7 +5546,7 @@
         <p:spPr>
           <a:xfrm>
             <a:off x="360000" y="5400000"/>
-            <a:ext cx="10797120" cy="1260720"/>
+            <a:ext cx="10796760" cy="1260360"/>
           </a:xfrm>
           <a:prstGeom prst="rect">
             <a:avLst/>
@@ -6005,8 +5563,15 @@
           <a:fontRef idx="minor"/>
         </p:style>
         <p:txBody>
-          <a:bodyPr lIns="0" rIns="0" tIns="0" bIns="0" anchor="ctr"/>
-          <a:p>
+          <a:bodyPr lIns="0" rIns="0" tIns="0" bIns="0" anchor="ctr">
+            <a:noAutofit/>
+          </a:bodyPr>
+          <a:p>
+            <a:pPr>
+              <a:lnSpc>
+                <a:spcPct val="100000"/>
+              </a:lnSpc>
+            </a:pPr>
             <a:r>
               <a:rPr b="0" lang="ru-RU" sz="2800" spc="-1" strike="noStrike">
                 <a:solidFill>
@@ -6025,33 +5590,14 @@
       </p:sp>
     </p:spTree>
   </p:cSld>
-  <p:timing>
-    <p:tnLst>
-      <p:par>
-        <p:cTn id="11" dur="indefinite" restart="never" nodeType="tmRoot">
-          <p:childTnLst>
-            <p:seq>
-              <p:cTn id="12" dur="indefinite" nodeType="mainSeq"/>
-              <p:prevCondLst>
-                <p:cond delay="0" evt="onPrev">
-                  <p:tgtEl>
-                    <p:sldTgt/>
-                  </p:tgtEl>
-                </p:cond>
-              </p:prevCondLst>
-              <p:nextCondLst>
-                <p:cond delay="0" evt="onNext">
-                  <p:tgtEl>
-                    <p:sldTgt/>
-                  </p:tgtEl>
-                </p:cond>
-              </p:nextCondLst>
-            </p:seq>
-          </p:childTnLst>
-        </p:cTn>
-      </p:par>
-    </p:tnLst>
-  </p:timing>
+  <mc:AlternateContent>
+    <mc:Choice Requires="p14">
+      <p:transition spd="slow" p14:dur="2000"/>
+    </mc:Choice>
+    <mc:Fallback>
+      <p:transition spd="slow"/>
+    </mc:Fallback>
+  </mc:AlternateContent>
 </p:sld>
 </file>
 
@@ -6081,7 +5627,7 @@
         <p:spPr>
           <a:xfrm>
             <a:off x="578160" y="34560"/>
-            <a:ext cx="10797120" cy="1260720"/>
+            <a:ext cx="10796760" cy="1260360"/>
           </a:xfrm>
           <a:prstGeom prst="rect">
             <a:avLst/>
@@ -6098,7 +5644,9 @@
           <a:fontRef idx="minor"/>
         </p:style>
         <p:txBody>
-          <a:bodyPr lIns="0" rIns="0" tIns="0" bIns="0" anchor="ctr"/>
+          <a:bodyPr lIns="0" rIns="0" tIns="0" bIns="0" anchor="ctr">
+            <a:noAutofit/>
+          </a:bodyPr>
           <a:p>
             <a:pPr algn="ctr">
               <a:lnSpc>
@@ -6130,7 +5678,7 @@
         <p:spPr>
           <a:xfrm>
             <a:off x="578160" y="1368000"/>
-            <a:ext cx="6800400" cy="2143800"/>
+            <a:ext cx="6800040" cy="2143440"/>
           </a:xfrm>
           <a:prstGeom prst="rect">
             <a:avLst/>
@@ -6147,9 +5695,11 @@
           <a:fontRef idx="minor"/>
         </p:style>
         <p:txBody>
-          <a:bodyPr lIns="90000" rIns="90000" tIns="45000" bIns="45000"/>
-          <a:p>
-            <a:pPr marL="216000" indent="-215280">
+          <a:bodyPr lIns="90000" rIns="90000" tIns="45000" bIns="45000">
+            <a:noAutofit/>
+          </a:bodyPr>
+          <a:p>
+            <a:pPr marL="216000" indent="-214920">
               <a:lnSpc>
                 <a:spcPct val="100000"/>
               </a:lnSpc>
@@ -6181,7 +5731,7 @@
             </a:endParaRPr>
           </a:p>
           <a:p>
-            <a:pPr marL="216000" indent="-215280">
+            <a:pPr marL="216000" indent="-214920">
               <a:lnSpc>
                 <a:spcPct val="100000"/>
               </a:lnSpc>
@@ -6213,7 +5763,7 @@
             </a:endParaRPr>
           </a:p>
           <a:p>
-            <a:pPr marL="216000" indent="-215280">
+            <a:pPr marL="216000" indent="-214920">
               <a:lnSpc>
                 <a:spcPct val="100000"/>
               </a:lnSpc>
@@ -6245,7 +5795,7 @@
             </a:endParaRPr>
           </a:p>
           <a:p>
-            <a:pPr marL="216000" indent="-215280">
+            <a:pPr marL="216000" indent="-214920">
               <a:lnSpc>
                 <a:spcPct val="100000"/>
               </a:lnSpc>
@@ -6277,7 +5827,7 @@
             </a:endParaRPr>
           </a:p>
           <a:p>
-            <a:pPr marL="216000" indent="-215280">
+            <a:pPr marL="216000" indent="-214920">
               <a:lnSpc>
                 <a:spcPct val="100000"/>
               </a:lnSpc>
@@ -6309,7 +5859,7 @@
             </a:endParaRPr>
           </a:p>
           <a:p>
-            <a:pPr marL="216000" indent="-215280">
+            <a:pPr marL="216000" indent="-214920">
               <a:lnSpc>
                 <a:spcPct val="100000"/>
               </a:lnSpc>
@@ -6351,7 +5901,7 @@
         <p:spPr>
           <a:xfrm>
             <a:off x="360000" y="5400000"/>
-            <a:ext cx="10797120" cy="1260720"/>
+            <a:ext cx="10796760" cy="1260360"/>
           </a:xfrm>
           <a:prstGeom prst="rect">
             <a:avLst/>
@@ -6368,8 +5918,15 @@
           <a:fontRef idx="minor"/>
         </p:style>
         <p:txBody>
-          <a:bodyPr lIns="0" rIns="0" tIns="0" bIns="0" anchor="ctr"/>
-          <a:p>
+          <a:bodyPr lIns="0" rIns="0" tIns="0" bIns="0" anchor="ctr">
+            <a:noAutofit/>
+          </a:bodyPr>
+          <a:p>
+            <a:pPr>
+              <a:lnSpc>
+                <a:spcPct val="100000"/>
+              </a:lnSpc>
+            </a:pPr>
             <a:r>
               <a:rPr b="0" lang="ru-RU" sz="2800" spc="-1" strike="noStrike">
                 <a:solidFill>
@@ -6388,33 +5945,14 @@
       </p:sp>
     </p:spTree>
   </p:cSld>
-  <p:timing>
-    <p:tnLst>
-      <p:par>
-        <p:cTn id="13" dur="indefinite" restart="never" nodeType="tmRoot">
-          <p:childTnLst>
-            <p:seq>
-              <p:cTn id="14" dur="indefinite" nodeType="mainSeq"/>
-              <p:prevCondLst>
-                <p:cond delay="0" evt="onPrev">
-                  <p:tgtEl>
-                    <p:sldTgt/>
-                  </p:tgtEl>
-                </p:cond>
-              </p:prevCondLst>
-              <p:nextCondLst>
-                <p:cond delay="0" evt="onNext">
-                  <p:tgtEl>
-                    <p:sldTgt/>
-                  </p:tgtEl>
-                </p:cond>
-              </p:nextCondLst>
-            </p:seq>
-          </p:childTnLst>
-        </p:cTn>
-      </p:par>
-    </p:tnLst>
-  </p:timing>
+  <mc:AlternateContent>
+    <mc:Choice Requires="p14">
+      <p:transition spd="slow" p14:dur="2000"/>
+    </mc:Choice>
+    <mc:Fallback>
+      <p:transition spd="slow"/>
+    </mc:Fallback>
+  </mc:AlternateContent>
 </p:sld>
 </file>
 
@@ -6444,7 +5982,7 @@
         <p:spPr>
           <a:xfrm>
             <a:off x="578160" y="34560"/>
-            <a:ext cx="10797120" cy="1260720"/>
+            <a:ext cx="10796760" cy="1260360"/>
           </a:xfrm>
           <a:prstGeom prst="rect">
             <a:avLst/>
@@ -6461,7 +5999,9 @@
           <a:fontRef idx="minor"/>
         </p:style>
         <p:txBody>
-          <a:bodyPr lIns="0" rIns="0" tIns="0" bIns="0" anchor="ctr"/>
+          <a:bodyPr lIns="0" rIns="0" tIns="0" bIns="0" anchor="ctr">
+            <a:noAutofit/>
+          </a:bodyPr>
           <a:p>
             <a:pPr algn="ctr">
               <a:lnSpc>
@@ -6493,7 +6033,7 @@
         <p:spPr>
           <a:xfrm>
             <a:off x="360000" y="5400000"/>
-            <a:ext cx="10797120" cy="1260720"/>
+            <a:ext cx="10796760" cy="1260360"/>
           </a:xfrm>
           <a:prstGeom prst="rect">
             <a:avLst/>
@@ -6510,8 +6050,15 @@
           <a:fontRef idx="minor"/>
         </p:style>
         <p:txBody>
-          <a:bodyPr lIns="0" rIns="0" tIns="0" bIns="0" anchor="ctr"/>
-          <a:p>
+          <a:bodyPr lIns="0" rIns="0" tIns="0" bIns="0" anchor="ctr">
+            <a:noAutofit/>
+          </a:bodyPr>
+          <a:p>
+            <a:pPr>
+              <a:lnSpc>
+                <a:spcPct val="100000"/>
+              </a:lnSpc>
+            </a:pPr>
             <a:r>
               <a:rPr b="0" lang="ru-RU" sz="2800" spc="-1" strike="noStrike">
                 <a:solidFill>
@@ -6541,7 +6088,7 @@
         <p:spPr>
           <a:xfrm>
             <a:off x="3240000" y="1149120"/>
-            <a:ext cx="5319000" cy="3818160"/>
+            <a:ext cx="5318640" cy="3817800"/>
           </a:xfrm>
           <a:prstGeom prst="rect">
             <a:avLst/>
@@ -6560,7 +6107,7 @@
         <p:spPr>
           <a:xfrm>
             <a:off x="2360880" y="5112000"/>
-            <a:ext cx="7574400" cy="345960"/>
+            <a:ext cx="7574040" cy="345600"/>
           </a:xfrm>
           <a:prstGeom prst="rect">
             <a:avLst/>
@@ -6577,8 +6124,15 @@
           <a:fontRef idx="minor"/>
         </p:style>
         <p:txBody>
-          <a:bodyPr lIns="90000" rIns="90000" tIns="45000" bIns="45000"/>
-          <a:p>
+          <a:bodyPr lIns="90000" rIns="90000" tIns="45000" bIns="45000">
+            <a:noAutofit/>
+          </a:bodyPr>
+          <a:p>
+            <a:pPr>
+              <a:lnSpc>
+                <a:spcPct val="100000"/>
+              </a:lnSpc>
+            </a:pPr>
             <a:r>
               <a:rPr b="0" lang="ru-RU" sz="1800" spc="-1" strike="noStrike">
                 <a:solidFill>
@@ -6597,33 +6151,14 @@
       </p:sp>
     </p:spTree>
   </p:cSld>
-  <p:timing>
-    <p:tnLst>
-      <p:par>
-        <p:cTn id="15" dur="indefinite" restart="never" nodeType="tmRoot">
-          <p:childTnLst>
-            <p:seq>
-              <p:cTn id="16" dur="indefinite" nodeType="mainSeq"/>
-              <p:prevCondLst>
-                <p:cond delay="0" evt="onPrev">
-                  <p:tgtEl>
-                    <p:sldTgt/>
-                  </p:tgtEl>
-                </p:cond>
-              </p:prevCondLst>
-              <p:nextCondLst>
-                <p:cond delay="0" evt="onNext">
-                  <p:tgtEl>
-                    <p:sldTgt/>
-                  </p:tgtEl>
-                </p:cond>
-              </p:nextCondLst>
-            </p:seq>
-          </p:childTnLst>
-        </p:cTn>
-      </p:par>
-    </p:tnLst>
-  </p:timing>
+  <mc:AlternateContent>
+    <mc:Choice Requires="p14">
+      <p:transition spd="slow" p14:dur="2000"/>
+    </mc:Choice>
+    <mc:Fallback>
+      <p:transition spd="slow"/>
+    </mc:Fallback>
+  </mc:AlternateContent>
 </p:sld>
 </file>
 
@@ -6653,7 +6188,7 @@
         <p:spPr>
           <a:xfrm>
             <a:off x="578160" y="34560"/>
-            <a:ext cx="10797120" cy="1260720"/>
+            <a:ext cx="10796760" cy="1260360"/>
           </a:xfrm>
           <a:prstGeom prst="rect">
             <a:avLst/>
@@ -6670,7 +6205,9 @@
           <a:fontRef idx="minor"/>
         </p:style>
         <p:txBody>
-          <a:bodyPr lIns="0" rIns="0" tIns="0" bIns="0" anchor="ctr"/>
+          <a:bodyPr lIns="0" rIns="0" tIns="0" bIns="0" anchor="ctr">
+            <a:noAutofit/>
+          </a:bodyPr>
           <a:p>
             <a:pPr algn="ctr">
               <a:lnSpc>
@@ -6702,7 +6239,7 @@
         <p:spPr>
           <a:xfrm>
             <a:off x="360000" y="5400000"/>
-            <a:ext cx="10797120" cy="1260720"/>
+            <a:ext cx="10796760" cy="1260360"/>
           </a:xfrm>
           <a:prstGeom prst="rect">
             <a:avLst/>
@@ -6719,8 +6256,15 @@
           <a:fontRef idx="minor"/>
         </p:style>
         <p:txBody>
-          <a:bodyPr lIns="0" rIns="0" tIns="0" bIns="0" anchor="ctr"/>
-          <a:p>
+          <a:bodyPr lIns="0" rIns="0" tIns="0" bIns="0" anchor="ctr">
+            <a:noAutofit/>
+          </a:bodyPr>
+          <a:p>
+            <a:pPr>
+              <a:lnSpc>
+                <a:spcPct val="100000"/>
+              </a:lnSpc>
+            </a:pPr>
             <a:r>
               <a:rPr b="0" lang="ru-RU" sz="2800" spc="-1" strike="noStrike">
                 <a:solidFill>
@@ -6746,7 +6290,7 @@
         <p:spPr>
           <a:xfrm>
             <a:off x="936000" y="1244520"/>
-            <a:ext cx="6469560" cy="2312280"/>
+            <a:ext cx="6469200" cy="2311920"/>
           </a:xfrm>
           <a:prstGeom prst="rect">
             <a:avLst/>
@@ -6763,9 +6307,11 @@
           <a:fontRef idx="minor"/>
         </p:style>
         <p:txBody>
-          <a:bodyPr lIns="90000" rIns="90000" tIns="45000" bIns="45000"/>
-          <a:p>
-            <a:pPr marL="216000" indent="-215280">
+          <a:bodyPr lIns="90000" rIns="90000" tIns="45000" bIns="45000">
+            <a:noAutofit/>
+          </a:bodyPr>
+          <a:p>
+            <a:pPr marL="216000" indent="-214920">
               <a:lnSpc>
                 <a:spcPct val="150000"/>
               </a:lnSpc>
@@ -6791,7 +6337,7 @@
             </a:endParaRPr>
           </a:p>
           <a:p>
-            <a:pPr marL="216000" indent="-215280">
+            <a:pPr marL="216000" indent="-214920">
               <a:lnSpc>
                 <a:spcPct val="150000"/>
               </a:lnSpc>
@@ -6817,7 +6363,7 @@
             </a:endParaRPr>
           </a:p>
           <a:p>
-            <a:pPr marL="216000" indent="-215280">
+            <a:pPr marL="216000" indent="-214920">
               <a:lnSpc>
                 <a:spcPct val="150000"/>
               </a:lnSpc>
@@ -6843,7 +6389,7 @@
             </a:endParaRPr>
           </a:p>
           <a:p>
-            <a:pPr marL="216000" indent="-215280">
+            <a:pPr marL="216000" indent="-214920">
               <a:lnSpc>
                 <a:spcPct val="150000"/>
               </a:lnSpc>
@@ -6869,7 +6415,7 @@
             </a:endParaRPr>
           </a:p>
           <a:p>
-            <a:pPr marL="216000" indent="-215280">
+            <a:pPr marL="216000" indent="-214920">
               <a:lnSpc>
                 <a:spcPct val="150000"/>
               </a:lnSpc>
@@ -6895,7 +6441,7 @@
             </a:endParaRPr>
           </a:p>
           <a:p>
-            <a:pPr marL="216000" indent="-215280">
+            <a:pPr marL="216000" indent="-214920">
               <a:lnSpc>
                 <a:spcPct val="150000"/>
               </a:lnSpc>
@@ -6921,7 +6467,7 @@
             </a:endParaRPr>
           </a:p>
           <a:p>
-            <a:pPr marL="216000" indent="-215280">
+            <a:pPr marL="216000" indent="-214920">
               <a:lnSpc>
                 <a:spcPct val="150000"/>
               </a:lnSpc>
@@ -6950,33 +6496,14 @@
       </p:sp>
     </p:spTree>
   </p:cSld>
-  <p:timing>
-    <p:tnLst>
-      <p:par>
-        <p:cTn id="17" dur="indefinite" restart="never" nodeType="tmRoot">
-          <p:childTnLst>
-            <p:seq>
-              <p:cTn id="18" dur="indefinite" nodeType="mainSeq"/>
-              <p:prevCondLst>
-                <p:cond delay="0" evt="onPrev">
-                  <p:tgtEl>
-                    <p:sldTgt/>
-                  </p:tgtEl>
-                </p:cond>
-              </p:prevCondLst>
-              <p:nextCondLst>
-                <p:cond delay="0" evt="onNext">
-                  <p:tgtEl>
-                    <p:sldTgt/>
-                  </p:tgtEl>
-                </p:cond>
-              </p:nextCondLst>
-            </p:seq>
-          </p:childTnLst>
-        </p:cTn>
-      </p:par>
-    </p:tnLst>
-  </p:timing>
+  <mc:AlternateContent>
+    <mc:Choice Requires="p14">
+      <p:transition spd="slow" p14:dur="2000"/>
+    </mc:Choice>
+    <mc:Fallback>
+      <p:transition spd="slow"/>
+    </mc:Fallback>
+  </mc:AlternateContent>
 </p:sld>
 </file>
 
@@ -7094,18 +6621,21 @@
             </a:schemeClr>
           </a:solidFill>
           <a:prstDash val="solid"/>
+          <a:miter/>
         </a:ln>
         <a:ln w="25400" cap="flat" cmpd="sng" algn="ctr">
           <a:solidFill>
             <a:schemeClr val="phClr"/>
           </a:solidFill>
           <a:prstDash val="solid"/>
+          <a:miter/>
         </a:ln>
         <a:ln w="38100" cap="flat" cmpd="sng" algn="ctr">
           <a:solidFill>
             <a:schemeClr val="phClr"/>
           </a:solidFill>
           <a:prstDash val="solid"/>
+          <a:miter/>
         </a:ln>
       </a:lnStyleLst>
       <a:effectStyleLst>
